--- a/DG_09 Testable UI.pptx
+++ b/DG_09 Testable UI.pptx
@@ -15732,13 +15732,7 @@
               <a:rPr lang="en-GB" sz="2400" b="1" dirty="0" smtClean="0">
                 <a:latin typeface="Courier New" panose="02070309020205020404" pitchFamily="49" charset="0"/>
               </a:rPr>
-              <a:t>	 </a:t>
-            </a:r>
-            <a:r>
-              <a:rPr lang="en-GB" sz="2400" b="1" dirty="0" smtClean="0">
-                <a:latin typeface="Courier New" panose="02070309020205020404" pitchFamily="49" charset="0"/>
-              </a:rPr>
-              <a:t>assert foo(100</a:t>
+              <a:t>	 assert foo(100</a:t>
             </a:r>
             <a:r>
               <a:rPr lang="en-GB" sz="2400" b="1" dirty="0">
@@ -15936,7 +15930,7 @@
       </p:sp>
       <p:pic>
         <p:nvPicPr>
-          <p:cNvPr id="5" name="Picture 4"/>
+          <p:cNvPr id="3" name="Picture 2"/>
           <p:cNvPicPr>
             <a:picLocks noChangeAspect="1"/>
           </p:cNvPicPr>
@@ -15950,8 +15944,8 @@
         </p:blipFill>
         <p:spPr>
           <a:xfrm>
-            <a:off x="251585" y="2867396"/>
-            <a:ext cx="8072129" cy="2093898"/>
+            <a:off x="251586" y="2589573"/>
+            <a:ext cx="8264659" cy="2100122"/>
           </a:xfrm>
           <a:prstGeom prst="rect">
             <a:avLst/>

--- a/DG_09 Testable UI.pptx
+++ b/DG_09 Testable UI.pptx
@@ -5,13 +5,16 @@
     <p:sldMasterId id="2147483739" r:id="rId1"/>
   </p:sldMasterIdLst>
   <p:notesMasterIdLst>
-    <p:notesMasterId r:id="rId6"/>
+    <p:notesMasterId r:id="rId9"/>
   </p:notesMasterIdLst>
   <p:sldIdLst>
     <p:sldId id="643" r:id="rId2"/>
     <p:sldId id="645" r:id="rId3"/>
-    <p:sldId id="656" r:id="rId4"/>
-    <p:sldId id="657" r:id="rId5"/>
+    <p:sldId id="657" r:id="rId4"/>
+    <p:sldId id="656" r:id="rId5"/>
+    <p:sldId id="658" r:id="rId6"/>
+    <p:sldId id="661" r:id="rId7"/>
+    <p:sldId id="659" r:id="rId8"/>
   </p:sldIdLst>
   <p:sldSz cx="9144000" cy="6858000" type="screen4x3"/>
   <p:notesSz cx="6858000" cy="9144000"/>
@@ -112,7 +115,7 @@
   </p:defaultTextStyle>
   <p:extLst>
     <p:ext uri="{EFAFB233-063F-42B5-8137-9DF3F51BA10A}">
-      <p15:sldGuideLst xmlns:p15="http://schemas.microsoft.com/office/powerpoint/2012/main">
+      <p15:sldGuideLst xmlns:p15="http://schemas.microsoft.com/office/powerpoint/2012/main" xmlns="">
         <p15:guide id="1" orient="horz" pos="2160">
           <p15:clr>
             <a:srgbClr val="A4A3A4"/>
@@ -637,7 +640,7 @@
     </p:spTree>
     <p:extLst>
       <p:ext uri="{BB962C8B-B14F-4D97-AF65-F5344CB8AC3E}">
-        <p14:creationId xmlns:p14="http://schemas.microsoft.com/office/powerpoint/2010/main" val="3988076159"/>
+        <p14:creationId xmlns:p14="http://schemas.microsoft.com/office/powerpoint/2010/main" val="1456632654"/>
       </p:ext>
     </p:extLst>
   </p:cSld>
@@ -721,7 +724,259 @@
     </p:spTree>
     <p:extLst>
       <p:ext uri="{BB962C8B-B14F-4D97-AF65-F5344CB8AC3E}">
-        <p14:creationId xmlns:p14="http://schemas.microsoft.com/office/powerpoint/2010/main" val="1456632654"/>
+        <p14:creationId xmlns:p14="http://schemas.microsoft.com/office/powerpoint/2010/main" val="3988076159"/>
+      </p:ext>
+    </p:extLst>
+  </p:cSld>
+  <p:clrMapOvr>
+    <a:masterClrMapping/>
+  </p:clrMapOvr>
+</p:notes>
+</file>
+
+<file path=ppt/notesSlides/notesSlide4.xml><?xml version="1.0" encoding="utf-8"?>
+<p:notes xmlns:a="http://schemas.openxmlformats.org/drawingml/2006/main" xmlns:r="http://schemas.openxmlformats.org/officeDocument/2006/relationships" xmlns:p="http://schemas.openxmlformats.org/presentationml/2006/main">
+  <p:cSld>
+    <p:spTree>
+      <p:nvGrpSpPr>
+        <p:cNvPr id="1" name=""/>
+        <p:cNvGrpSpPr/>
+        <p:nvPr/>
+      </p:nvGrpSpPr>
+      <p:grpSpPr>
+        <a:xfrm>
+          <a:off x="0" y="0"/>
+          <a:ext cx="0" cy="0"/>
+          <a:chOff x="0" y="0"/>
+          <a:chExt cx="0" cy="0"/>
+        </a:xfrm>
+      </p:grpSpPr>
+      <p:sp>
+        <p:nvSpPr>
+          <p:cNvPr id="2" name="Slide Image Placeholder 1"/>
+          <p:cNvSpPr>
+            <a:spLocks noGrp="1" noRot="1" noChangeAspect="1"/>
+          </p:cNvSpPr>
+          <p:nvPr>
+            <p:ph type="sldImg"/>
+          </p:nvPr>
+        </p:nvSpPr>
+        <p:spPr/>
+      </p:sp>
+      <p:sp>
+        <p:nvSpPr>
+          <p:cNvPr id="3" name="Notes Placeholder 2"/>
+          <p:cNvSpPr>
+            <a:spLocks noGrp="1"/>
+          </p:cNvSpPr>
+          <p:nvPr>
+            <p:ph type="body" idx="1"/>
+          </p:nvPr>
+        </p:nvSpPr>
+        <p:spPr/>
+        <p:txBody>
+          <a:bodyPr/>
+          <a:lstStyle/>
+          <a:p>
+            <a:endParaRPr lang="en-US" dirty="0"/>
+          </a:p>
+        </p:txBody>
+      </p:sp>
+      <p:sp>
+        <p:nvSpPr>
+          <p:cNvPr id="4" name="Slide Number Placeholder 3"/>
+          <p:cNvSpPr>
+            <a:spLocks noGrp="1"/>
+          </p:cNvSpPr>
+          <p:nvPr>
+            <p:ph type="sldNum" sz="quarter" idx="10"/>
+          </p:nvPr>
+        </p:nvSpPr>
+        <p:spPr/>
+        <p:txBody>
+          <a:bodyPr/>
+          <a:lstStyle/>
+          <a:p>
+            <a:fld id="{2D8A47E9-43C9-0F4F-9379-1746571B2494}" type="slidenum">
+              <a:rPr lang="en-US" smtClean="0"/>
+              <a:t>5</a:t>
+            </a:fld>
+            <a:endParaRPr lang="en-US"/>
+          </a:p>
+        </p:txBody>
+      </p:sp>
+    </p:spTree>
+    <p:extLst>
+      <p:ext uri="{BB962C8B-B14F-4D97-AF65-F5344CB8AC3E}">
+        <p14:creationId xmlns:p14="http://schemas.microsoft.com/office/powerpoint/2010/main" val="3988076159"/>
+      </p:ext>
+    </p:extLst>
+  </p:cSld>
+  <p:clrMapOvr>
+    <a:masterClrMapping/>
+  </p:clrMapOvr>
+</p:notes>
+</file>
+
+<file path=ppt/notesSlides/notesSlide5.xml><?xml version="1.0" encoding="utf-8"?>
+<p:notes xmlns:a="http://schemas.openxmlformats.org/drawingml/2006/main" xmlns:r="http://schemas.openxmlformats.org/officeDocument/2006/relationships" xmlns:p="http://schemas.openxmlformats.org/presentationml/2006/main">
+  <p:cSld>
+    <p:spTree>
+      <p:nvGrpSpPr>
+        <p:cNvPr id="1" name=""/>
+        <p:cNvGrpSpPr/>
+        <p:nvPr/>
+      </p:nvGrpSpPr>
+      <p:grpSpPr>
+        <a:xfrm>
+          <a:off x="0" y="0"/>
+          <a:ext cx="0" cy="0"/>
+          <a:chOff x="0" y="0"/>
+          <a:chExt cx="0" cy="0"/>
+        </a:xfrm>
+      </p:grpSpPr>
+      <p:sp>
+        <p:nvSpPr>
+          <p:cNvPr id="2" name="Slide Image Placeholder 1"/>
+          <p:cNvSpPr>
+            <a:spLocks noGrp="1" noRot="1" noChangeAspect="1"/>
+          </p:cNvSpPr>
+          <p:nvPr>
+            <p:ph type="sldImg"/>
+          </p:nvPr>
+        </p:nvSpPr>
+        <p:spPr/>
+      </p:sp>
+      <p:sp>
+        <p:nvSpPr>
+          <p:cNvPr id="3" name="Notes Placeholder 2"/>
+          <p:cNvSpPr>
+            <a:spLocks noGrp="1"/>
+          </p:cNvSpPr>
+          <p:nvPr>
+            <p:ph type="body" idx="1"/>
+          </p:nvPr>
+        </p:nvSpPr>
+        <p:spPr/>
+        <p:txBody>
+          <a:bodyPr/>
+          <a:lstStyle/>
+          <a:p>
+            <a:endParaRPr lang="en-US" dirty="0"/>
+          </a:p>
+        </p:txBody>
+      </p:sp>
+      <p:sp>
+        <p:nvSpPr>
+          <p:cNvPr id="4" name="Slide Number Placeholder 3"/>
+          <p:cNvSpPr>
+            <a:spLocks noGrp="1"/>
+          </p:cNvSpPr>
+          <p:nvPr>
+            <p:ph type="sldNum" sz="quarter" idx="10"/>
+          </p:nvPr>
+        </p:nvSpPr>
+        <p:spPr/>
+        <p:txBody>
+          <a:bodyPr/>
+          <a:lstStyle/>
+          <a:p>
+            <a:fld id="{2D8A47E9-43C9-0F4F-9379-1746571B2494}" type="slidenum">
+              <a:rPr lang="en-US" smtClean="0"/>
+              <a:t>6</a:t>
+            </a:fld>
+            <a:endParaRPr lang="en-US"/>
+          </a:p>
+        </p:txBody>
+      </p:sp>
+    </p:spTree>
+    <p:extLst>
+      <p:ext uri="{BB962C8B-B14F-4D97-AF65-F5344CB8AC3E}">
+        <p14:creationId xmlns:p14="http://schemas.microsoft.com/office/powerpoint/2010/main" val="3988076159"/>
+      </p:ext>
+    </p:extLst>
+  </p:cSld>
+  <p:clrMapOvr>
+    <a:masterClrMapping/>
+  </p:clrMapOvr>
+</p:notes>
+</file>
+
+<file path=ppt/notesSlides/notesSlide6.xml><?xml version="1.0" encoding="utf-8"?>
+<p:notes xmlns:a="http://schemas.openxmlformats.org/drawingml/2006/main" xmlns:r="http://schemas.openxmlformats.org/officeDocument/2006/relationships" xmlns:p="http://schemas.openxmlformats.org/presentationml/2006/main">
+  <p:cSld>
+    <p:spTree>
+      <p:nvGrpSpPr>
+        <p:cNvPr id="1" name=""/>
+        <p:cNvGrpSpPr/>
+        <p:nvPr/>
+      </p:nvGrpSpPr>
+      <p:grpSpPr>
+        <a:xfrm>
+          <a:off x="0" y="0"/>
+          <a:ext cx="0" cy="0"/>
+          <a:chOff x="0" y="0"/>
+          <a:chExt cx="0" cy="0"/>
+        </a:xfrm>
+      </p:grpSpPr>
+      <p:sp>
+        <p:nvSpPr>
+          <p:cNvPr id="2" name="Slide Image Placeholder 1"/>
+          <p:cNvSpPr>
+            <a:spLocks noGrp="1" noRot="1" noChangeAspect="1"/>
+          </p:cNvSpPr>
+          <p:nvPr>
+            <p:ph type="sldImg"/>
+          </p:nvPr>
+        </p:nvSpPr>
+        <p:spPr/>
+      </p:sp>
+      <p:sp>
+        <p:nvSpPr>
+          <p:cNvPr id="3" name="Notes Placeholder 2"/>
+          <p:cNvSpPr>
+            <a:spLocks noGrp="1"/>
+          </p:cNvSpPr>
+          <p:nvPr>
+            <p:ph type="body" idx="1"/>
+          </p:nvPr>
+        </p:nvSpPr>
+        <p:spPr/>
+        <p:txBody>
+          <a:bodyPr/>
+          <a:lstStyle/>
+          <a:p>
+            <a:endParaRPr lang="en-US" dirty="0"/>
+          </a:p>
+        </p:txBody>
+      </p:sp>
+      <p:sp>
+        <p:nvSpPr>
+          <p:cNvPr id="4" name="Slide Number Placeholder 3"/>
+          <p:cNvSpPr>
+            <a:spLocks noGrp="1"/>
+          </p:cNvSpPr>
+          <p:nvPr>
+            <p:ph type="sldNum" sz="quarter" idx="10"/>
+          </p:nvPr>
+        </p:nvSpPr>
+        <p:spPr/>
+        <p:txBody>
+          <a:bodyPr/>
+          <a:lstStyle/>
+          <a:p>
+            <a:fld id="{2D8A47E9-43C9-0F4F-9379-1746571B2494}" type="slidenum">
+              <a:rPr lang="en-US" smtClean="0"/>
+              <a:t>7</a:t>
+            </a:fld>
+            <a:endParaRPr lang="en-US"/>
+          </a:p>
+        </p:txBody>
+      </p:sp>
+    </p:spTree>
+    <p:extLst>
+      <p:ext uri="{BB962C8B-B14F-4D97-AF65-F5344CB8AC3E}">
+        <p14:creationId xmlns:p14="http://schemas.microsoft.com/office/powerpoint/2010/main" val="3988076159"/>
       </p:ext>
     </p:extLst>
   </p:cSld>
@@ -15522,350 +15777,80 @@
             <a:pPr algn="l"/>
             <a:r>
               <a:rPr lang="en-US" dirty="0" smtClean="0"/>
-              <a:t>Test-Class</a:t>
+              <a:t>Make UI Testable</a:t>
             </a:r>
             <a:endParaRPr lang="en-US" dirty="0"/>
           </a:p>
         </p:txBody>
       </p:sp>
-      <p:sp>
-        <p:nvSpPr>
-          <p:cNvPr id="3" name="Rectangle 2"/>
-          <p:cNvSpPr/>
+      <p:pic>
+        <p:nvPicPr>
+          <p:cNvPr id="1026" name="Picture 2"/>
+          <p:cNvPicPr>
+            <a:picLocks noChangeAspect="1" noChangeArrowheads="1"/>
+          </p:cNvPicPr>
           <p:nvPr/>
-        </p:nvSpPr>
-        <p:spPr>
+        </p:nvPicPr>
+        <p:blipFill>
+          <a:blip r:embed="rId3">
+            <a:extLst>
+              <a:ext uri="{28A0092B-C50C-407E-A947-70E740481C1C}">
+                <a14:useLocalDpi xmlns:a14="http://schemas.microsoft.com/office/drawing/2010/main" val="0"/>
+              </a:ext>
+            </a:extLst>
+          </a:blip>
+          <a:srcRect/>
+          <a:stretch>
+            <a:fillRect/>
+          </a:stretch>
+        </p:blipFill>
+        <p:spPr bwMode="auto">
           <a:xfrm>
-            <a:off x="251586" y="2104282"/>
-            <a:ext cx="7427168" cy="4524315"/>
+            <a:off x="251586" y="2755880"/>
+            <a:ext cx="8527256" cy="1508222"/>
           </a:xfrm>
           <a:prstGeom prst="rect">
             <a:avLst/>
           </a:prstGeom>
+          <a:noFill/>
+          <a:ln>
+            <a:noFill/>
+          </a:ln>
+          <a:effectLst/>
+          <a:extLst>
+            <a:ext uri="{909E8E84-426E-40DD-AFC4-6F175D3DCCD1}">
+              <a14:hiddenFill xmlns:a14="http://schemas.microsoft.com/office/drawing/2010/main">
+                <a:solidFill>
+                  <a:schemeClr val="accent1"/>
+                </a:solidFill>
+              </a14:hiddenFill>
+            </a:ext>
+            <a:ext uri="{91240B29-F687-4F45-9708-019B960494DF}">
+              <a14:hiddenLine xmlns:a14="http://schemas.microsoft.com/office/drawing/2010/main" w="9525">
+                <a:solidFill>
+                  <a:schemeClr val="tx1"/>
+                </a:solidFill>
+                <a:miter lim="800000"/>
+                <a:headEnd/>
+                <a:tailEnd/>
+              </a14:hiddenLine>
+            </a:ext>
+            <a:ext uri="{AF507438-7753-43E0-B8FC-AC1667EBCBE1}">
+              <a14:hiddenEffects xmlns:a14="http://schemas.microsoft.com/office/drawing/2010/main">
+                <a:effectLst>
+                  <a:outerShdw dist="35921" dir="2700000" algn="ctr" rotWithShape="0">
+                    <a:schemeClr val="bg2"/>
+                  </a:outerShdw>
+                </a:effectLst>
+              </a14:hiddenEffects>
+            </a:ext>
+          </a:extLst>
         </p:spPr>
-        <p:txBody>
-          <a:bodyPr wrap="square">
-            <a:spAutoFit/>
-          </a:bodyPr>
-          <a:lstStyle/>
-          <a:p>
-            <a:pPr>
-              <a:spcBef>
-                <a:spcPct val="0"/>
-              </a:spcBef>
-            </a:pPr>
-            <a:r>
-              <a:rPr lang="en-GB" sz="2400" b="1" dirty="0">
-                <a:latin typeface="Courier New" panose="02070309020205020404" pitchFamily="49" charset="0"/>
-              </a:rPr>
-              <a:t>class </a:t>
-            </a:r>
-            <a:r>
-              <a:rPr lang="en-GB" sz="2400" b="1" dirty="0" err="1">
-                <a:latin typeface="Courier New" panose="02070309020205020404" pitchFamily="49" charset="0"/>
-              </a:rPr>
-              <a:t>TestFoo</a:t>
-            </a:r>
-            <a:r>
-              <a:rPr lang="en-GB" sz="2400" b="1" dirty="0">
-                <a:latin typeface="Courier New" panose="02070309020205020404" pitchFamily="49" charset="0"/>
-              </a:rPr>
-              <a:t>:</a:t>
-            </a:r>
-          </a:p>
-          <a:p>
-            <a:pPr>
-              <a:spcBef>
-                <a:spcPct val="0"/>
-              </a:spcBef>
-            </a:pPr>
-            <a:r>
-              <a:rPr lang="en-GB" sz="2400" b="1" dirty="0" smtClean="0">
-                <a:latin typeface="Courier New" panose="02070309020205020404" pitchFamily="49" charset="0"/>
-              </a:rPr>
-              <a:t>   </a:t>
-            </a:r>
-            <a:r>
-              <a:rPr lang="en-GB" sz="2400" b="1" dirty="0" err="1" smtClean="0">
-                <a:latin typeface="Courier New" panose="02070309020205020404" pitchFamily="49" charset="0"/>
-              </a:rPr>
-              <a:t>def</a:t>
-            </a:r>
-            <a:r>
-              <a:rPr lang="en-GB" sz="2400" b="1" dirty="0" smtClean="0">
-                <a:latin typeface="Courier New" panose="02070309020205020404" pitchFamily="49" charset="0"/>
-              </a:rPr>
-              <a:t> </a:t>
-            </a:r>
-            <a:r>
-              <a:rPr lang="en-GB" sz="2400" b="1" dirty="0" err="1" smtClean="0">
-                <a:latin typeface="Courier New" panose="02070309020205020404" pitchFamily="49" charset="0"/>
-              </a:rPr>
-              <a:t>test_inRange</a:t>
-            </a:r>
-            <a:r>
-              <a:rPr lang="en-GB" sz="2400" b="1" dirty="0" smtClean="0">
-                <a:latin typeface="Courier New" panose="02070309020205020404" pitchFamily="49" charset="0"/>
-              </a:rPr>
-              <a:t>(s</a:t>
-            </a:r>
-            <a:r>
-              <a:rPr lang="en-GB" sz="2400" b="1" dirty="0">
-                <a:latin typeface="Courier New" panose="02070309020205020404" pitchFamily="49" charset="0"/>
-              </a:rPr>
-              <a:t>):</a:t>
-            </a:r>
-          </a:p>
-          <a:p>
-            <a:pPr>
-              <a:spcBef>
-                <a:spcPct val="0"/>
-              </a:spcBef>
-            </a:pPr>
-            <a:r>
-              <a:rPr lang="en-GB" sz="2400" b="1" dirty="0" smtClean="0">
-                <a:latin typeface="Courier New" panose="02070309020205020404" pitchFamily="49" charset="0"/>
-              </a:rPr>
-              <a:t>      assert foo(10) </a:t>
-            </a:r>
-            <a:r>
-              <a:rPr lang="en-GB" sz="2400" b="1" dirty="0">
-                <a:latin typeface="Courier New" panose="02070309020205020404" pitchFamily="49" charset="0"/>
-              </a:rPr>
-              <a:t>== </a:t>
-            </a:r>
-            <a:r>
-              <a:rPr lang="en-GB" sz="2400" b="1" dirty="0" smtClean="0">
-                <a:latin typeface="Courier New" panose="02070309020205020404" pitchFamily="49" charset="0"/>
-              </a:rPr>
-              <a:t>20</a:t>
-            </a:r>
-            <a:endParaRPr lang="en-GB" sz="2400" b="1" dirty="0">
-              <a:latin typeface="Courier New" panose="02070309020205020404" pitchFamily="49" charset="0"/>
-            </a:endParaRPr>
-          </a:p>
-          <a:p>
-            <a:pPr>
-              <a:spcBef>
-                <a:spcPct val="0"/>
-              </a:spcBef>
-            </a:pPr>
-            <a:endParaRPr lang="en-GB" sz="2400" b="1" dirty="0">
-              <a:latin typeface="Courier New" panose="02070309020205020404" pitchFamily="49" charset="0"/>
-            </a:endParaRPr>
-          </a:p>
-          <a:p>
-            <a:pPr>
-              <a:spcBef>
-                <a:spcPct val="0"/>
-              </a:spcBef>
-            </a:pPr>
-            <a:r>
-              <a:rPr lang="en-GB" sz="2400" b="1" dirty="0" smtClean="0">
-                <a:latin typeface="Courier New" panose="02070309020205020404" pitchFamily="49" charset="0"/>
-              </a:rPr>
-              <a:t>   </a:t>
-            </a:r>
-            <a:r>
-              <a:rPr lang="en-GB" sz="2400" b="1" dirty="0" err="1" smtClean="0">
-                <a:latin typeface="Courier New" panose="02070309020205020404" pitchFamily="49" charset="0"/>
-              </a:rPr>
-              <a:t>def</a:t>
-            </a:r>
-            <a:r>
-              <a:rPr lang="en-GB" sz="2400" b="1" dirty="0" smtClean="0">
-                <a:latin typeface="Courier New" panose="02070309020205020404" pitchFamily="49" charset="0"/>
-              </a:rPr>
-              <a:t> </a:t>
-            </a:r>
-            <a:r>
-              <a:rPr lang="en-GB" sz="2400" b="1" dirty="0" err="1" smtClean="0">
-                <a:latin typeface="Courier New" panose="02070309020205020404" pitchFamily="49" charset="0"/>
-              </a:rPr>
-              <a:t>test_edge_inRange</a:t>
-            </a:r>
-            <a:r>
-              <a:rPr lang="en-GB" sz="2400" b="1" dirty="0" smtClean="0">
-                <a:latin typeface="Courier New" panose="02070309020205020404" pitchFamily="49" charset="0"/>
-              </a:rPr>
-              <a:t>(s):</a:t>
-            </a:r>
-          </a:p>
-          <a:p>
-            <a:pPr>
-              <a:spcBef>
-                <a:spcPct val="0"/>
-              </a:spcBef>
-            </a:pPr>
-            <a:r>
-              <a:rPr lang="en-GB" sz="2400" b="1" dirty="0" smtClean="0">
-                <a:latin typeface="Courier New" panose="02070309020205020404" pitchFamily="49" charset="0"/>
-              </a:rPr>
-              <a:t>      assert foo(0) </a:t>
-            </a:r>
-            <a:r>
-              <a:rPr lang="en-GB" sz="2400" b="1" dirty="0">
-                <a:latin typeface="Courier New" panose="02070309020205020404" pitchFamily="49" charset="0"/>
-              </a:rPr>
-              <a:t>== </a:t>
-            </a:r>
-            <a:r>
-              <a:rPr lang="en-GB" sz="2400" b="1" dirty="0" smtClean="0">
-                <a:latin typeface="Courier New" panose="02070309020205020404" pitchFamily="49" charset="0"/>
-              </a:rPr>
-              <a:t>0</a:t>
-            </a:r>
-          </a:p>
-          <a:p>
-            <a:pPr>
-              <a:spcBef>
-                <a:spcPct val="0"/>
-              </a:spcBef>
-            </a:pPr>
-            <a:r>
-              <a:rPr lang="en-GB" sz="2400" b="1" dirty="0">
-                <a:latin typeface="Courier New" panose="02070309020205020404" pitchFamily="49" charset="0"/>
-              </a:rPr>
-              <a:t>	</a:t>
-            </a:r>
-            <a:r>
-              <a:rPr lang="en-GB" sz="2400" b="1" dirty="0" smtClean="0">
-                <a:latin typeface="Courier New" panose="02070309020205020404" pitchFamily="49" charset="0"/>
-              </a:rPr>
-              <a:t>	 assert foo(100</a:t>
-            </a:r>
-            <a:r>
-              <a:rPr lang="en-GB" sz="2400" b="1" dirty="0">
-                <a:latin typeface="Courier New" panose="02070309020205020404" pitchFamily="49" charset="0"/>
-              </a:rPr>
-              <a:t>) == </a:t>
-            </a:r>
-            <a:r>
-              <a:rPr lang="en-GB" sz="2400" b="1" dirty="0" smtClean="0">
-                <a:latin typeface="Courier New" panose="02070309020205020404" pitchFamily="49" charset="0"/>
-              </a:rPr>
-              <a:t>200</a:t>
-            </a:r>
-          </a:p>
-          <a:p>
-            <a:pPr>
-              <a:spcBef>
-                <a:spcPct val="0"/>
-              </a:spcBef>
-            </a:pPr>
-            <a:endParaRPr lang="en-GB" sz="2400" b="1" dirty="0">
-              <a:latin typeface="Courier New" panose="02070309020205020404" pitchFamily="49" charset="0"/>
-            </a:endParaRPr>
-          </a:p>
-          <a:p>
-            <a:pPr>
-              <a:spcBef>
-                <a:spcPct val="0"/>
-              </a:spcBef>
-            </a:pPr>
-            <a:r>
-              <a:rPr lang="en-GB" sz="2400" b="1" dirty="0" smtClean="0">
-                <a:latin typeface="Courier New" panose="02070309020205020404" pitchFamily="49" charset="0"/>
-              </a:rPr>
-              <a:t>   </a:t>
-            </a:r>
-            <a:r>
-              <a:rPr lang="en-GB" sz="2400" b="1" dirty="0" err="1" smtClean="0">
-                <a:latin typeface="Courier New" panose="02070309020205020404" pitchFamily="49" charset="0"/>
-              </a:rPr>
-              <a:t>def</a:t>
-            </a:r>
-            <a:r>
-              <a:rPr lang="en-GB" sz="2400" b="1" dirty="0" smtClean="0">
-                <a:latin typeface="Courier New" panose="02070309020205020404" pitchFamily="49" charset="0"/>
-              </a:rPr>
-              <a:t> </a:t>
-            </a:r>
-            <a:r>
-              <a:rPr lang="en-GB" sz="2400" b="1" dirty="0" err="1" smtClean="0">
-                <a:latin typeface="Courier New" panose="02070309020205020404" pitchFamily="49" charset="0"/>
-              </a:rPr>
-              <a:t>test_edge_outRange</a:t>
-            </a:r>
-            <a:r>
-              <a:rPr lang="en-GB" sz="2400" b="1" dirty="0" smtClean="0">
-                <a:latin typeface="Courier New" panose="02070309020205020404" pitchFamily="49" charset="0"/>
-              </a:rPr>
-              <a:t>(s):</a:t>
-            </a:r>
-          </a:p>
-          <a:p>
-            <a:pPr>
-              <a:spcBef>
-                <a:spcPct val="0"/>
-              </a:spcBef>
-            </a:pPr>
-            <a:r>
-              <a:rPr lang="en-GB" sz="2400" b="1" dirty="0" smtClean="0">
-                <a:latin typeface="Courier New" panose="02070309020205020404" pitchFamily="49" charset="0"/>
-              </a:rPr>
-              <a:t>      assert </a:t>
-            </a:r>
-            <a:r>
-              <a:rPr lang="en-GB" sz="2400" b="1" dirty="0">
-                <a:latin typeface="Courier New" panose="02070309020205020404" pitchFamily="49" charset="0"/>
-              </a:rPr>
-              <a:t>foo</a:t>
-            </a:r>
-            <a:r>
-              <a:rPr lang="en-GB" sz="2400" b="1" dirty="0" smtClean="0">
-                <a:latin typeface="Courier New" panose="02070309020205020404" pitchFamily="49" charset="0"/>
-              </a:rPr>
-              <a:t>(-1) </a:t>
-            </a:r>
-            <a:r>
-              <a:rPr lang="en-GB" sz="2400" b="1" dirty="0">
-                <a:latin typeface="Courier New" panose="02070309020205020404" pitchFamily="49" charset="0"/>
-              </a:rPr>
-              <a:t>== 0</a:t>
-            </a:r>
-          </a:p>
-          <a:p>
-            <a:pPr>
-              <a:spcBef>
-                <a:spcPct val="0"/>
-              </a:spcBef>
-            </a:pPr>
-            <a:r>
-              <a:rPr lang="en-GB" sz="2400" b="1" dirty="0">
-                <a:latin typeface="Courier New" panose="02070309020205020404" pitchFamily="49" charset="0"/>
-              </a:rPr>
-              <a:t>		 assert </a:t>
-            </a:r>
-            <a:r>
-              <a:rPr lang="en-GB" sz="2400" b="1" dirty="0" smtClean="0">
-                <a:latin typeface="Courier New" panose="02070309020205020404" pitchFamily="49" charset="0"/>
-              </a:rPr>
-              <a:t>foo(101) </a:t>
-            </a:r>
-            <a:r>
-              <a:rPr lang="en-GB" sz="2400" b="1" dirty="0">
-                <a:latin typeface="Courier New" panose="02070309020205020404" pitchFamily="49" charset="0"/>
-              </a:rPr>
-              <a:t>== 200</a:t>
-            </a:r>
-          </a:p>
-          <a:p>
-            <a:pPr>
-              <a:spcBef>
-                <a:spcPct val="0"/>
-              </a:spcBef>
-            </a:pPr>
-            <a:endParaRPr lang="en-GB" sz="2400" b="1" dirty="0">
-              <a:latin typeface="Courier New" panose="02070309020205020404" pitchFamily="49" charset="0"/>
-            </a:endParaRPr>
-          </a:p>
-        </p:txBody>
-      </p:sp>
+      </p:pic>
     </p:spTree>
     <p:extLst>
       <p:ext uri="{BB962C8B-B14F-4D97-AF65-F5344CB8AC3E}">
-        <p14:creationId xmlns:p14="http://schemas.microsoft.com/office/powerpoint/2010/main" val="1206116138"/>
+        <p14:creationId xmlns:p14="http://schemas.microsoft.com/office/powerpoint/2010/main" val="1487826734"/>
       </p:ext>
     </p:extLst>
   </p:cSld>
@@ -15922,7 +15907,7 @@
             <a:pPr algn="l"/>
             <a:r>
               <a:rPr lang="en-US" dirty="0" smtClean="0"/>
-              <a:t>Make UI Testable</a:t>
+              <a:t>Test-Class</a:t>
             </a:r>
             <a:endParaRPr lang="en-US" dirty="0"/>
           </a:p>
@@ -15930,32 +15915,1240 @@
       </p:sp>
       <p:pic>
         <p:nvPicPr>
-          <p:cNvPr id="3" name="Picture 2"/>
+          <p:cNvPr id="2051" name="Picture 3"/>
           <p:cNvPicPr>
-            <a:picLocks noChangeAspect="1"/>
+            <a:picLocks noChangeAspect="1" noChangeArrowheads="1"/>
           </p:cNvPicPr>
           <p:nvPr/>
         </p:nvPicPr>
         <p:blipFill>
-          <a:blip r:embed="rId3"/>
+          <a:blip r:embed="rId3">
+            <a:extLst>
+              <a:ext uri="{28A0092B-C50C-407E-A947-70E740481C1C}">
+                <a14:useLocalDpi xmlns:a14="http://schemas.microsoft.com/office/drawing/2010/main" val="0"/>
+              </a:ext>
+            </a:extLst>
+          </a:blip>
+          <a:srcRect/>
           <a:stretch>
             <a:fillRect/>
           </a:stretch>
         </p:blipFill>
-        <p:spPr>
+        <p:spPr bwMode="auto">
           <a:xfrm>
-            <a:off x="251586" y="2589573"/>
-            <a:ext cx="8264659" cy="2100122"/>
+            <a:off x="251586" y="2029538"/>
+            <a:ext cx="7990630" cy="4511221"/>
           </a:xfrm>
           <a:prstGeom prst="rect">
             <a:avLst/>
           </a:prstGeom>
+          <a:noFill/>
+          <a:ln>
+            <a:noFill/>
+          </a:ln>
+          <a:effectLst/>
+          <a:extLst>
+            <a:ext uri="{909E8E84-426E-40DD-AFC4-6F175D3DCCD1}">
+              <a14:hiddenFill xmlns:a14="http://schemas.microsoft.com/office/drawing/2010/main">
+                <a:solidFill>
+                  <a:schemeClr val="accent1"/>
+                </a:solidFill>
+              </a14:hiddenFill>
+            </a:ext>
+            <a:ext uri="{91240B29-F687-4F45-9708-019B960494DF}">
+              <a14:hiddenLine xmlns:a14="http://schemas.microsoft.com/office/drawing/2010/main" w="9525">
+                <a:solidFill>
+                  <a:schemeClr val="tx1"/>
+                </a:solidFill>
+                <a:miter lim="800000"/>
+                <a:headEnd/>
+                <a:tailEnd/>
+              </a14:hiddenLine>
+            </a:ext>
+            <a:ext uri="{AF507438-7753-43E0-B8FC-AC1667EBCBE1}">
+              <a14:hiddenEffects xmlns:a14="http://schemas.microsoft.com/office/drawing/2010/main">
+                <a:effectLst>
+                  <a:outerShdw dist="35921" dir="2700000" algn="ctr" rotWithShape="0">
+                    <a:schemeClr val="bg2"/>
+                  </a:outerShdw>
+                </a:effectLst>
+              </a14:hiddenEffects>
+            </a:ext>
+          </a:extLst>
         </p:spPr>
       </p:pic>
     </p:spTree>
     <p:extLst>
       <p:ext uri="{BB962C8B-B14F-4D97-AF65-F5344CB8AC3E}">
-        <p14:creationId xmlns:p14="http://schemas.microsoft.com/office/powerpoint/2010/main" val="1487826734"/>
+        <p14:creationId xmlns:p14="http://schemas.microsoft.com/office/powerpoint/2010/main" val="1206116138"/>
+      </p:ext>
+    </p:extLst>
+  </p:cSld>
+  <p:clrMapOvr>
+    <a:masterClrMapping/>
+  </p:clrMapOvr>
+  <p:timing>
+    <p:tnLst>
+      <p:par>
+        <p:cTn id="1" dur="indefinite" restart="never" nodeType="tmRoot"/>
+      </p:par>
+    </p:tnLst>
+  </p:timing>
+</p:sld>
+</file>
+
+<file path=ppt/slides/slide5.xml><?xml version="1.0" encoding="utf-8"?>
+<p:sld xmlns:a="http://schemas.openxmlformats.org/drawingml/2006/main" xmlns:r="http://schemas.openxmlformats.org/officeDocument/2006/relationships" xmlns:p="http://schemas.openxmlformats.org/presentationml/2006/main">
+  <p:cSld>
+    <p:spTree>
+      <p:nvGrpSpPr>
+        <p:cNvPr id="1" name=""/>
+        <p:cNvGrpSpPr/>
+        <p:nvPr/>
+      </p:nvGrpSpPr>
+      <p:grpSpPr>
+        <a:xfrm>
+          <a:off x="0" y="0"/>
+          <a:ext cx="0" cy="0"/>
+          <a:chOff x="0" y="0"/>
+          <a:chExt cx="0" cy="0"/>
+        </a:xfrm>
+      </p:grpSpPr>
+      <p:sp>
+        <p:nvSpPr>
+          <p:cNvPr id="2" name="Title 1"/>
+          <p:cNvSpPr>
+            <a:spLocks noGrp="1"/>
+          </p:cNvSpPr>
+          <p:nvPr>
+            <p:ph type="title"/>
+          </p:nvPr>
+        </p:nvSpPr>
+        <p:spPr>
+          <a:xfrm>
+            <a:off x="251586" y="244158"/>
+            <a:ext cx="8637831" cy="1339850"/>
+          </a:xfrm>
+        </p:spPr>
+        <p:txBody>
+          <a:bodyPr anchor="t"/>
+          <a:lstStyle/>
+          <a:p>
+            <a:pPr algn="l"/>
+            <a:r>
+              <a:rPr lang="en-US" smtClean="0"/>
+              <a:t>Test "main" in root folder</a:t>
+            </a:r>
+            <a:endParaRPr lang="en-US" dirty="0"/>
+          </a:p>
+        </p:txBody>
+      </p:sp>
+      <p:pic>
+        <p:nvPicPr>
+          <p:cNvPr id="3074" name="Picture 2"/>
+          <p:cNvPicPr>
+            <a:picLocks noChangeAspect="1" noChangeArrowheads="1"/>
+          </p:cNvPicPr>
+          <p:nvPr/>
+        </p:nvPicPr>
+        <p:blipFill>
+          <a:blip r:embed="rId3">
+            <a:extLst>
+              <a:ext uri="{28A0092B-C50C-407E-A947-70E740481C1C}">
+                <a14:useLocalDpi xmlns:a14="http://schemas.microsoft.com/office/drawing/2010/main" val="0"/>
+              </a:ext>
+            </a:extLst>
+          </a:blip>
+          <a:srcRect/>
+          <a:stretch>
+            <a:fillRect/>
+          </a:stretch>
+        </p:blipFill>
+        <p:spPr bwMode="auto">
+          <a:xfrm>
+            <a:off x="251585" y="2648975"/>
+            <a:ext cx="8526283" cy="2949413"/>
+          </a:xfrm>
+          <a:prstGeom prst="rect">
+            <a:avLst/>
+          </a:prstGeom>
+          <a:noFill/>
+          <a:ln>
+            <a:noFill/>
+          </a:ln>
+          <a:effectLst/>
+          <a:extLst>
+            <a:ext uri="{909E8E84-426E-40DD-AFC4-6F175D3DCCD1}">
+              <a14:hiddenFill xmlns:a14="http://schemas.microsoft.com/office/drawing/2010/main">
+                <a:solidFill>
+                  <a:schemeClr val="accent1"/>
+                </a:solidFill>
+              </a14:hiddenFill>
+            </a:ext>
+            <a:ext uri="{91240B29-F687-4F45-9708-019B960494DF}">
+              <a14:hiddenLine xmlns:a14="http://schemas.microsoft.com/office/drawing/2010/main" w="9525">
+                <a:solidFill>
+                  <a:schemeClr val="tx1"/>
+                </a:solidFill>
+                <a:miter lim="800000"/>
+                <a:headEnd/>
+                <a:tailEnd/>
+              </a14:hiddenLine>
+            </a:ext>
+            <a:ext uri="{AF507438-7753-43E0-B8FC-AC1667EBCBE1}">
+              <a14:hiddenEffects xmlns:a14="http://schemas.microsoft.com/office/drawing/2010/main">
+                <a:effectLst>
+                  <a:outerShdw dist="35921" dir="2700000" algn="ctr" rotWithShape="0">
+                    <a:schemeClr val="bg2"/>
+                  </a:outerShdw>
+                </a:effectLst>
+              </a14:hiddenEffects>
+            </a:ext>
+          </a:extLst>
+        </p:spPr>
+      </p:pic>
+      <p:sp>
+        <p:nvSpPr>
+          <p:cNvPr id="3" name="TextBox 2"/>
+          <p:cNvSpPr txBox="1"/>
+          <p:nvPr/>
+        </p:nvSpPr>
+        <p:spPr>
+          <a:xfrm>
+            <a:off x="429208" y="5822302"/>
+            <a:ext cx="8229600" cy="461665"/>
+          </a:xfrm>
+          <a:prstGeom prst="rect">
+            <a:avLst/>
+          </a:prstGeom>
+          <a:noFill/>
+        </p:spPr>
+        <p:txBody>
+          <a:bodyPr wrap="square" rtlCol="0">
+            <a:spAutoFit/>
+          </a:bodyPr>
+          <a:lstStyle/>
+          <a:p>
+            <a:r>
+              <a:rPr lang="en-GB" sz="2400" b="1" smtClean="0"/>
+              <a:t>pytest will find all test_nnn.py modules and run them</a:t>
+            </a:r>
+            <a:endParaRPr lang="en-GB" sz="2400" b="1"/>
+          </a:p>
+        </p:txBody>
+      </p:sp>
+    </p:spTree>
+    <p:extLst>
+      <p:ext uri="{BB962C8B-B14F-4D97-AF65-F5344CB8AC3E}">
+        <p14:creationId xmlns:p14="http://schemas.microsoft.com/office/powerpoint/2010/main" val="4283351029"/>
+      </p:ext>
+    </p:extLst>
+  </p:cSld>
+  <p:clrMapOvr>
+    <a:masterClrMapping/>
+  </p:clrMapOvr>
+  <p:timing>
+    <p:tnLst>
+      <p:par>
+        <p:cTn id="1" dur="indefinite" restart="never" nodeType="tmRoot"/>
+      </p:par>
+    </p:tnLst>
+  </p:timing>
+</p:sld>
+</file>
+
+<file path=ppt/slides/slide6.xml><?xml version="1.0" encoding="utf-8"?>
+<p:sld xmlns:a="http://schemas.openxmlformats.org/drawingml/2006/main" xmlns:r="http://schemas.openxmlformats.org/officeDocument/2006/relationships" xmlns:p="http://schemas.openxmlformats.org/presentationml/2006/main">
+  <p:cSld>
+    <p:spTree>
+      <p:nvGrpSpPr>
+        <p:cNvPr id="1" name=""/>
+        <p:cNvGrpSpPr/>
+        <p:nvPr/>
+      </p:nvGrpSpPr>
+      <p:grpSpPr>
+        <a:xfrm>
+          <a:off x="0" y="0"/>
+          <a:ext cx="0" cy="0"/>
+          <a:chOff x="0" y="0"/>
+          <a:chExt cx="0" cy="0"/>
+        </a:xfrm>
+      </p:grpSpPr>
+      <p:pic>
+        <p:nvPicPr>
+          <p:cNvPr id="4099" name="Picture 3"/>
+          <p:cNvPicPr>
+            <a:picLocks noChangeAspect="1" noChangeArrowheads="1"/>
+          </p:cNvPicPr>
+          <p:nvPr/>
+        </p:nvPicPr>
+        <p:blipFill>
+          <a:blip r:embed="rId3">
+            <a:extLst>
+              <a:ext uri="{28A0092B-C50C-407E-A947-70E740481C1C}">
+                <a14:useLocalDpi xmlns:a14="http://schemas.microsoft.com/office/drawing/2010/main" val="0"/>
+              </a:ext>
+            </a:extLst>
+          </a:blip>
+          <a:srcRect/>
+          <a:stretch>
+            <a:fillRect/>
+          </a:stretch>
+        </p:blipFill>
+        <p:spPr bwMode="auto">
+          <a:xfrm>
+            <a:off x="357900" y="2146050"/>
+            <a:ext cx="8553124" cy="4208106"/>
+          </a:xfrm>
+          <a:prstGeom prst="rect">
+            <a:avLst/>
+          </a:prstGeom>
+          <a:noFill/>
+          <a:ln>
+            <a:noFill/>
+          </a:ln>
+          <a:effectLst/>
+          <a:extLst>
+            <a:ext uri="{909E8E84-426E-40DD-AFC4-6F175D3DCCD1}">
+              <a14:hiddenFill xmlns:a14="http://schemas.microsoft.com/office/drawing/2010/main">
+                <a:solidFill>
+                  <a:schemeClr val="accent1"/>
+                </a:solidFill>
+              </a14:hiddenFill>
+            </a:ext>
+            <a:ext uri="{91240B29-F687-4F45-9708-019B960494DF}">
+              <a14:hiddenLine xmlns:a14="http://schemas.microsoft.com/office/drawing/2010/main" w="9525">
+                <a:solidFill>
+                  <a:schemeClr val="tx1"/>
+                </a:solidFill>
+                <a:miter lim="800000"/>
+                <a:headEnd/>
+                <a:tailEnd/>
+              </a14:hiddenLine>
+            </a:ext>
+            <a:ext uri="{AF507438-7753-43E0-B8FC-AC1667EBCBE1}">
+              <a14:hiddenEffects xmlns:a14="http://schemas.microsoft.com/office/drawing/2010/main">
+                <a:effectLst>
+                  <a:outerShdw dist="35921" dir="2700000" algn="ctr" rotWithShape="0">
+                    <a:schemeClr val="bg2"/>
+                  </a:outerShdw>
+                </a:effectLst>
+              </a14:hiddenEffects>
+            </a:ext>
+          </a:extLst>
+        </p:spPr>
+      </p:pic>
+      <p:sp>
+        <p:nvSpPr>
+          <p:cNvPr id="2" name="Title 1"/>
+          <p:cNvSpPr>
+            <a:spLocks noGrp="1"/>
+          </p:cNvSpPr>
+          <p:nvPr>
+            <p:ph type="title"/>
+          </p:nvPr>
+        </p:nvSpPr>
+        <p:spPr>
+          <a:xfrm>
+            <a:off x="251586" y="244158"/>
+            <a:ext cx="8637831" cy="1339850"/>
+          </a:xfrm>
+        </p:spPr>
+        <p:txBody>
+          <a:bodyPr anchor="t"/>
+          <a:lstStyle/>
+          <a:p>
+            <a:pPr algn="l"/>
+            <a:r>
+              <a:rPr lang="en-US" smtClean="0"/>
+              <a:t>Fixtures</a:t>
+            </a:r>
+            <a:endParaRPr lang="en-US" dirty="0"/>
+          </a:p>
+        </p:txBody>
+      </p:sp>
+      <p:sp>
+        <p:nvSpPr>
+          <p:cNvPr id="4" name="Rectangle 3"/>
+          <p:cNvSpPr/>
+          <p:nvPr/>
+        </p:nvSpPr>
+        <p:spPr>
+          <a:xfrm>
+            <a:off x="4068148" y="2314008"/>
+            <a:ext cx="2509934" cy="438539"/>
+          </a:xfrm>
+          <a:prstGeom prst="rect">
+            <a:avLst/>
+          </a:prstGeom>
+          <a:noFill/>
+        </p:spPr>
+        <p:style>
+          <a:lnRef idx="2">
+            <a:schemeClr val="accent1">
+              <a:shade val="50000"/>
+            </a:schemeClr>
+          </a:lnRef>
+          <a:fillRef idx="1">
+            <a:schemeClr val="accent1"/>
+          </a:fillRef>
+          <a:effectRef idx="0">
+            <a:schemeClr val="accent1"/>
+          </a:effectRef>
+          <a:fontRef idx="minor">
+            <a:schemeClr val="lt1"/>
+          </a:fontRef>
+        </p:style>
+        <p:txBody>
+          <a:bodyPr rtlCol="0" anchor="ctr"/>
+          <a:lstStyle/>
+          <a:p>
+            <a:pPr algn="ctr"/>
+            <a:r>
+              <a:rPr lang="en-GB" sz="2000" b="1" smtClean="0">
+                <a:solidFill>
+                  <a:schemeClr val="tx1"/>
+                </a:solidFill>
+              </a:rPr>
+              <a:t>decorate a function</a:t>
+            </a:r>
+            <a:endParaRPr lang="en-GB" sz="2000" b="1">
+              <a:solidFill>
+                <a:schemeClr val="tx1"/>
+              </a:solidFill>
+            </a:endParaRPr>
+          </a:p>
+        </p:txBody>
+      </p:sp>
+      <p:cxnSp>
+        <p:nvCxnSpPr>
+          <p:cNvPr id="6" name="Straight Arrow Connector 5"/>
+          <p:cNvCxnSpPr/>
+          <p:nvPr/>
+        </p:nvCxnSpPr>
+        <p:spPr>
+          <a:xfrm flipH="1">
+            <a:off x="2565918" y="2533277"/>
+            <a:ext cx="1502230" cy="847362"/>
+          </a:xfrm>
+          <a:prstGeom prst="straightConnector1">
+            <a:avLst/>
+          </a:prstGeom>
+          <a:ln w="28575">
+            <a:solidFill>
+              <a:srgbClr val="FF0000"/>
+            </a:solidFill>
+            <a:tailEnd type="arrow"/>
+          </a:ln>
+        </p:spPr>
+        <p:style>
+          <a:lnRef idx="1">
+            <a:schemeClr val="accent1"/>
+          </a:lnRef>
+          <a:fillRef idx="0">
+            <a:schemeClr val="accent1"/>
+          </a:fillRef>
+          <a:effectRef idx="0">
+            <a:schemeClr val="accent1"/>
+          </a:effectRef>
+          <a:fontRef idx="minor">
+            <a:schemeClr val="tx1"/>
+          </a:fontRef>
+        </p:style>
+      </p:cxnSp>
+      <p:cxnSp>
+        <p:nvCxnSpPr>
+          <p:cNvPr id="8" name="Straight Arrow Connector 7"/>
+          <p:cNvCxnSpPr/>
+          <p:nvPr/>
+        </p:nvCxnSpPr>
+        <p:spPr>
+          <a:xfrm flipH="1">
+            <a:off x="3666932" y="3280127"/>
+            <a:ext cx="1156995" cy="443621"/>
+          </a:xfrm>
+          <a:prstGeom prst="straightConnector1">
+            <a:avLst/>
+          </a:prstGeom>
+          <a:ln w="28575">
+            <a:solidFill>
+              <a:srgbClr val="FF0000"/>
+            </a:solidFill>
+            <a:tailEnd type="arrow"/>
+          </a:ln>
+        </p:spPr>
+        <p:style>
+          <a:lnRef idx="1">
+            <a:schemeClr val="accent1"/>
+          </a:lnRef>
+          <a:fillRef idx="0">
+            <a:schemeClr val="accent1"/>
+          </a:fillRef>
+          <a:effectRef idx="0">
+            <a:schemeClr val="accent1"/>
+          </a:effectRef>
+          <a:fontRef idx="minor">
+            <a:schemeClr val="tx1"/>
+          </a:fontRef>
+        </p:style>
+      </p:cxnSp>
+      <p:sp>
+        <p:nvSpPr>
+          <p:cNvPr id="12" name="Rectangle 11"/>
+          <p:cNvSpPr/>
+          <p:nvPr/>
+        </p:nvSpPr>
+        <p:spPr>
+          <a:xfrm>
+            <a:off x="4823927" y="2847503"/>
+            <a:ext cx="3984169" cy="438539"/>
+          </a:xfrm>
+          <a:prstGeom prst="rect">
+            <a:avLst/>
+          </a:prstGeom>
+          <a:noFill/>
+        </p:spPr>
+        <p:style>
+          <a:lnRef idx="2">
+            <a:schemeClr val="accent1">
+              <a:shade val="50000"/>
+            </a:schemeClr>
+          </a:lnRef>
+          <a:fillRef idx="1">
+            <a:schemeClr val="accent1"/>
+          </a:fillRef>
+          <a:effectRef idx="0">
+            <a:schemeClr val="accent1"/>
+          </a:effectRef>
+          <a:fontRef idx="minor">
+            <a:schemeClr val="lt1"/>
+          </a:fontRef>
+        </p:style>
+        <p:txBody>
+          <a:bodyPr rtlCol="0" anchor="ctr"/>
+          <a:lstStyle/>
+          <a:p>
+            <a:pPr algn="ctr"/>
+            <a:r>
+              <a:rPr lang="en-GB" sz="2000" b="1" smtClean="0">
+                <a:solidFill>
+                  <a:schemeClr val="tx1"/>
+                </a:solidFill>
+              </a:rPr>
+              <a:t>provide monkeypatch if needed</a:t>
+            </a:r>
+            <a:endParaRPr lang="en-GB" sz="2000" b="1">
+              <a:solidFill>
+                <a:schemeClr val="tx1"/>
+              </a:solidFill>
+            </a:endParaRPr>
+          </a:p>
+        </p:txBody>
+      </p:sp>
+      <p:sp>
+        <p:nvSpPr>
+          <p:cNvPr id="15" name="Rectangle 14"/>
+          <p:cNvSpPr/>
+          <p:nvPr/>
+        </p:nvSpPr>
+        <p:spPr>
+          <a:xfrm>
+            <a:off x="5635690" y="3380639"/>
+            <a:ext cx="1884783" cy="438539"/>
+          </a:xfrm>
+          <a:prstGeom prst="rect">
+            <a:avLst/>
+          </a:prstGeom>
+          <a:noFill/>
+        </p:spPr>
+        <p:style>
+          <a:lnRef idx="2">
+            <a:schemeClr val="accent1">
+              <a:shade val="50000"/>
+            </a:schemeClr>
+          </a:lnRef>
+          <a:fillRef idx="1">
+            <a:schemeClr val="accent1"/>
+          </a:fillRef>
+          <a:effectRef idx="0">
+            <a:schemeClr val="accent1"/>
+          </a:effectRef>
+          <a:fontRef idx="minor">
+            <a:schemeClr val="lt1"/>
+          </a:fontRef>
+        </p:style>
+        <p:txBody>
+          <a:bodyPr rtlCol="0" anchor="ctr"/>
+          <a:lstStyle/>
+          <a:p>
+            <a:pPr algn="ctr"/>
+            <a:r>
+              <a:rPr lang="en-GB" sz="2000" b="1" smtClean="0">
+                <a:solidFill>
+                  <a:schemeClr val="tx1"/>
+                </a:solidFill>
+              </a:rPr>
+              <a:t>return a value</a:t>
+            </a:r>
+            <a:endParaRPr lang="en-GB" sz="2000" b="1">
+              <a:solidFill>
+                <a:schemeClr val="tx1"/>
+              </a:solidFill>
+            </a:endParaRPr>
+          </a:p>
+        </p:txBody>
+      </p:sp>
+      <p:cxnSp>
+        <p:nvCxnSpPr>
+          <p:cNvPr id="16" name="Straight Arrow Connector 15"/>
+          <p:cNvCxnSpPr/>
+          <p:nvPr/>
+        </p:nvCxnSpPr>
+        <p:spPr>
+          <a:xfrm flipH="1">
+            <a:off x="4413380" y="3599908"/>
+            <a:ext cx="1110342" cy="720165"/>
+          </a:xfrm>
+          <a:prstGeom prst="straightConnector1">
+            <a:avLst/>
+          </a:prstGeom>
+          <a:ln w="28575">
+            <a:solidFill>
+              <a:srgbClr val="FF0000"/>
+            </a:solidFill>
+            <a:tailEnd type="arrow"/>
+          </a:ln>
+        </p:spPr>
+        <p:style>
+          <a:lnRef idx="1">
+            <a:schemeClr val="accent1"/>
+          </a:lnRef>
+          <a:fillRef idx="0">
+            <a:schemeClr val="accent1"/>
+          </a:fillRef>
+          <a:effectRef idx="0">
+            <a:schemeClr val="accent1"/>
+          </a:effectRef>
+          <a:fontRef idx="minor">
+            <a:schemeClr val="tx1"/>
+          </a:fontRef>
+        </p:style>
+      </p:cxnSp>
+      <p:sp>
+        <p:nvSpPr>
+          <p:cNvPr id="17" name="Rectangle 16"/>
+          <p:cNvSpPr/>
+          <p:nvPr/>
+        </p:nvSpPr>
+        <p:spPr>
+          <a:xfrm>
+            <a:off x="4968551" y="4373058"/>
+            <a:ext cx="3839545" cy="438539"/>
+          </a:xfrm>
+          <a:prstGeom prst="rect">
+            <a:avLst/>
+          </a:prstGeom>
+          <a:noFill/>
+        </p:spPr>
+        <p:style>
+          <a:lnRef idx="2">
+            <a:schemeClr val="accent1">
+              <a:shade val="50000"/>
+            </a:schemeClr>
+          </a:lnRef>
+          <a:fillRef idx="1">
+            <a:schemeClr val="accent1"/>
+          </a:fillRef>
+          <a:effectRef idx="0">
+            <a:schemeClr val="accent1"/>
+          </a:effectRef>
+          <a:fontRef idx="minor">
+            <a:schemeClr val="lt1"/>
+          </a:fontRef>
+        </p:style>
+        <p:txBody>
+          <a:bodyPr rtlCol="0" anchor="ctr"/>
+          <a:lstStyle/>
+          <a:p>
+            <a:pPr algn="ctr"/>
+            <a:r>
+              <a:rPr lang="en-GB" sz="2000" b="1" smtClean="0">
+                <a:solidFill>
+                  <a:schemeClr val="tx1"/>
+                </a:solidFill>
+              </a:rPr>
+              <a:t>name fixture as test argument </a:t>
+            </a:r>
+            <a:endParaRPr lang="en-GB" sz="2000" b="1">
+              <a:solidFill>
+                <a:schemeClr val="tx1"/>
+              </a:solidFill>
+            </a:endParaRPr>
+          </a:p>
+        </p:txBody>
+      </p:sp>
+      <p:cxnSp>
+        <p:nvCxnSpPr>
+          <p:cNvPr id="20" name="Straight Arrow Connector 19"/>
+          <p:cNvCxnSpPr/>
+          <p:nvPr/>
+        </p:nvCxnSpPr>
+        <p:spPr>
+          <a:xfrm flipH="1">
+            <a:off x="4198777" y="4811597"/>
+            <a:ext cx="625150" cy="209134"/>
+          </a:xfrm>
+          <a:prstGeom prst="straightConnector1">
+            <a:avLst/>
+          </a:prstGeom>
+          <a:ln w="28575">
+            <a:solidFill>
+              <a:srgbClr val="FF0000"/>
+            </a:solidFill>
+            <a:tailEnd type="arrow"/>
+          </a:ln>
+        </p:spPr>
+        <p:style>
+          <a:lnRef idx="1">
+            <a:schemeClr val="accent1"/>
+          </a:lnRef>
+          <a:fillRef idx="0">
+            <a:schemeClr val="accent1"/>
+          </a:fillRef>
+          <a:effectRef idx="0">
+            <a:schemeClr val="accent1"/>
+          </a:effectRef>
+          <a:fontRef idx="minor">
+            <a:schemeClr val="tx1"/>
+          </a:fontRef>
+        </p:style>
+      </p:cxnSp>
+      <p:sp>
+        <p:nvSpPr>
+          <p:cNvPr id="22" name="Rectangle 21"/>
+          <p:cNvSpPr/>
+          <p:nvPr/>
+        </p:nvSpPr>
+        <p:spPr>
+          <a:xfrm>
+            <a:off x="6279502" y="5548715"/>
+            <a:ext cx="2218352" cy="438539"/>
+          </a:xfrm>
+          <a:prstGeom prst="rect">
+            <a:avLst/>
+          </a:prstGeom>
+          <a:noFill/>
+        </p:spPr>
+        <p:style>
+          <a:lnRef idx="2">
+            <a:schemeClr val="accent1">
+              <a:shade val="50000"/>
+            </a:schemeClr>
+          </a:lnRef>
+          <a:fillRef idx="1">
+            <a:schemeClr val="accent1"/>
+          </a:fillRef>
+          <a:effectRef idx="0">
+            <a:schemeClr val="accent1"/>
+          </a:effectRef>
+          <a:fontRef idx="minor">
+            <a:schemeClr val="lt1"/>
+          </a:fontRef>
+        </p:style>
+        <p:txBody>
+          <a:bodyPr rtlCol="0" anchor="ctr"/>
+          <a:lstStyle/>
+          <a:p>
+            <a:pPr algn="ctr"/>
+            <a:r>
+              <a:rPr lang="en-GB" sz="2000" b="1" smtClean="0">
+                <a:solidFill>
+                  <a:schemeClr val="tx1"/>
+                </a:solidFill>
+              </a:rPr>
+              <a:t>use fixture value</a:t>
+            </a:r>
+            <a:endParaRPr lang="en-GB" sz="2000" b="1">
+              <a:solidFill>
+                <a:schemeClr val="tx1"/>
+              </a:solidFill>
+            </a:endParaRPr>
+          </a:p>
+        </p:txBody>
+      </p:sp>
+      <p:cxnSp>
+        <p:nvCxnSpPr>
+          <p:cNvPr id="23" name="Straight Arrow Connector 22"/>
+          <p:cNvCxnSpPr/>
+          <p:nvPr/>
+        </p:nvCxnSpPr>
+        <p:spPr>
+          <a:xfrm flipH="1" flipV="1">
+            <a:off x="4968551" y="5548715"/>
+            <a:ext cx="1149477" cy="179753"/>
+          </a:xfrm>
+          <a:prstGeom prst="straightConnector1">
+            <a:avLst/>
+          </a:prstGeom>
+          <a:ln w="28575">
+            <a:solidFill>
+              <a:srgbClr val="FF0000"/>
+            </a:solidFill>
+            <a:tailEnd type="arrow"/>
+          </a:ln>
+        </p:spPr>
+        <p:style>
+          <a:lnRef idx="1">
+            <a:schemeClr val="accent1"/>
+          </a:lnRef>
+          <a:fillRef idx="0">
+            <a:schemeClr val="accent1"/>
+          </a:fillRef>
+          <a:effectRef idx="0">
+            <a:schemeClr val="accent1"/>
+          </a:effectRef>
+          <a:fontRef idx="minor">
+            <a:schemeClr val="tx1"/>
+          </a:fontRef>
+        </p:style>
+      </p:cxnSp>
+    </p:spTree>
+    <p:extLst>
+      <p:ext uri="{BB962C8B-B14F-4D97-AF65-F5344CB8AC3E}">
+        <p14:creationId xmlns:p14="http://schemas.microsoft.com/office/powerpoint/2010/main" val="3242846484"/>
+      </p:ext>
+    </p:extLst>
+  </p:cSld>
+  <p:clrMapOvr>
+    <a:masterClrMapping/>
+  </p:clrMapOvr>
+  <p:timing>
+    <p:tnLst>
+      <p:par>
+        <p:cTn id="1" dur="indefinite" restart="never" nodeType="tmRoot"/>
+      </p:par>
+    </p:tnLst>
+  </p:timing>
+</p:sld>
+</file>
+
+<file path=ppt/slides/slide7.xml><?xml version="1.0" encoding="utf-8"?>
+<p:sld xmlns:a="http://schemas.openxmlformats.org/drawingml/2006/main" xmlns:r="http://schemas.openxmlformats.org/officeDocument/2006/relationships" xmlns:p="http://schemas.openxmlformats.org/presentationml/2006/main">
+  <p:cSld>
+    <p:spTree>
+      <p:nvGrpSpPr>
+        <p:cNvPr id="1" name=""/>
+        <p:cNvGrpSpPr/>
+        <p:nvPr/>
+      </p:nvGrpSpPr>
+      <p:grpSpPr>
+        <a:xfrm>
+          <a:off x="0" y="0"/>
+          <a:ext cx="0" cy="0"/>
+          <a:chOff x="0" y="0"/>
+          <a:chExt cx="0" cy="0"/>
+        </a:xfrm>
+      </p:grpSpPr>
+      <p:pic>
+        <p:nvPicPr>
+          <p:cNvPr id="4099" name="Picture 3"/>
+          <p:cNvPicPr>
+            <a:picLocks noChangeAspect="1" noChangeArrowheads="1"/>
+          </p:cNvPicPr>
+          <p:nvPr/>
+        </p:nvPicPr>
+        <p:blipFill>
+          <a:blip r:embed="rId3">
+            <a:extLst>
+              <a:ext uri="{28A0092B-C50C-407E-A947-70E740481C1C}">
+                <a14:useLocalDpi xmlns:a14="http://schemas.microsoft.com/office/drawing/2010/main" val="0"/>
+              </a:ext>
+            </a:extLst>
+          </a:blip>
+          <a:srcRect/>
+          <a:stretch>
+            <a:fillRect/>
+          </a:stretch>
+        </p:blipFill>
+        <p:spPr bwMode="auto">
+          <a:xfrm>
+            <a:off x="357900" y="2146050"/>
+            <a:ext cx="8553124" cy="4208106"/>
+          </a:xfrm>
+          <a:prstGeom prst="rect">
+            <a:avLst/>
+          </a:prstGeom>
+          <a:noFill/>
+          <a:ln>
+            <a:noFill/>
+          </a:ln>
+          <a:effectLst/>
+          <a:extLst>
+            <a:ext uri="{909E8E84-426E-40DD-AFC4-6F175D3DCCD1}">
+              <a14:hiddenFill xmlns:a14="http://schemas.microsoft.com/office/drawing/2010/main">
+                <a:solidFill>
+                  <a:schemeClr val="accent1"/>
+                </a:solidFill>
+              </a14:hiddenFill>
+            </a:ext>
+            <a:ext uri="{91240B29-F687-4F45-9708-019B960494DF}">
+              <a14:hiddenLine xmlns:a14="http://schemas.microsoft.com/office/drawing/2010/main" w="9525">
+                <a:solidFill>
+                  <a:schemeClr val="tx1"/>
+                </a:solidFill>
+                <a:miter lim="800000"/>
+                <a:headEnd/>
+                <a:tailEnd/>
+              </a14:hiddenLine>
+            </a:ext>
+            <a:ext uri="{AF507438-7753-43E0-B8FC-AC1667EBCBE1}">
+              <a14:hiddenEffects xmlns:a14="http://schemas.microsoft.com/office/drawing/2010/main">
+                <a:effectLst>
+                  <a:outerShdw dist="35921" dir="2700000" algn="ctr" rotWithShape="0">
+                    <a:schemeClr val="bg2"/>
+                  </a:outerShdw>
+                </a:effectLst>
+              </a14:hiddenEffects>
+            </a:ext>
+          </a:extLst>
+        </p:spPr>
+      </p:pic>
+      <p:sp>
+        <p:nvSpPr>
+          <p:cNvPr id="2" name="Title 1"/>
+          <p:cNvSpPr>
+            <a:spLocks noGrp="1"/>
+          </p:cNvSpPr>
+          <p:nvPr>
+            <p:ph type="title"/>
+          </p:nvPr>
+        </p:nvSpPr>
+        <p:spPr>
+          <a:xfrm>
+            <a:off x="251586" y="244158"/>
+            <a:ext cx="8637831" cy="1339850"/>
+          </a:xfrm>
+        </p:spPr>
+        <p:txBody>
+          <a:bodyPr anchor="t"/>
+          <a:lstStyle/>
+          <a:p>
+            <a:pPr algn="l"/>
+            <a:r>
+              <a:rPr lang="en-US" smtClean="0"/>
+              <a:t>Mock Global Variables</a:t>
+            </a:r>
+            <a:endParaRPr lang="en-US" dirty="0"/>
+          </a:p>
+        </p:txBody>
+      </p:sp>
+      <p:sp>
+        <p:nvSpPr>
+          <p:cNvPr id="4" name="Rectangle 3"/>
+          <p:cNvSpPr/>
+          <p:nvPr/>
+        </p:nvSpPr>
+        <p:spPr>
+          <a:xfrm>
+            <a:off x="4068147" y="2314008"/>
+            <a:ext cx="4581331" cy="438539"/>
+          </a:xfrm>
+          <a:prstGeom prst="rect">
+            <a:avLst/>
+          </a:prstGeom>
+          <a:noFill/>
+        </p:spPr>
+        <p:style>
+          <a:lnRef idx="2">
+            <a:schemeClr val="accent1">
+              <a:shade val="50000"/>
+            </a:schemeClr>
+          </a:lnRef>
+          <a:fillRef idx="1">
+            <a:schemeClr val="accent1"/>
+          </a:fillRef>
+          <a:effectRef idx="0">
+            <a:schemeClr val="accent1"/>
+          </a:effectRef>
+          <a:fontRef idx="minor">
+            <a:schemeClr val="lt1"/>
+          </a:fontRef>
+        </p:style>
+        <p:txBody>
+          <a:bodyPr rtlCol="0" anchor="ctr"/>
+          <a:lstStyle/>
+          <a:p>
+            <a:pPr algn="ctr"/>
+            <a:r>
+              <a:rPr lang="en-GB" sz="2000" b="1" smtClean="0">
+                <a:solidFill>
+                  <a:schemeClr val="tx1"/>
+                </a:solidFill>
+              </a:rPr>
+              <a:t>import module name for monkeypatch</a:t>
+            </a:r>
+            <a:endParaRPr lang="en-GB" sz="2000" b="1">
+              <a:solidFill>
+                <a:schemeClr val="tx1"/>
+              </a:solidFill>
+            </a:endParaRPr>
+          </a:p>
+        </p:txBody>
+      </p:sp>
+      <p:cxnSp>
+        <p:nvCxnSpPr>
+          <p:cNvPr id="6" name="Straight Arrow Connector 5"/>
+          <p:cNvCxnSpPr/>
+          <p:nvPr/>
+        </p:nvCxnSpPr>
+        <p:spPr>
+          <a:xfrm flipH="1">
+            <a:off x="3041780" y="2533277"/>
+            <a:ext cx="1026367" cy="0"/>
+          </a:xfrm>
+          <a:prstGeom prst="straightConnector1">
+            <a:avLst/>
+          </a:prstGeom>
+          <a:ln w="28575">
+            <a:solidFill>
+              <a:srgbClr val="FF0000"/>
+            </a:solidFill>
+            <a:tailEnd type="arrow"/>
+          </a:ln>
+        </p:spPr>
+        <p:style>
+          <a:lnRef idx="1">
+            <a:schemeClr val="accent1"/>
+          </a:lnRef>
+          <a:fillRef idx="0">
+            <a:schemeClr val="accent1"/>
+          </a:fillRef>
+          <a:effectRef idx="0">
+            <a:schemeClr val="accent1"/>
+          </a:effectRef>
+          <a:fontRef idx="minor">
+            <a:schemeClr val="tx1"/>
+          </a:fontRef>
+        </p:style>
+      </p:cxnSp>
+      <p:cxnSp>
+        <p:nvCxnSpPr>
+          <p:cNvPr id="8" name="Straight Arrow Connector 7"/>
+          <p:cNvCxnSpPr/>
+          <p:nvPr/>
+        </p:nvCxnSpPr>
+        <p:spPr>
+          <a:xfrm flipH="1">
+            <a:off x="4634462" y="2836506"/>
+            <a:ext cx="758632" cy="1088267"/>
+          </a:xfrm>
+          <a:prstGeom prst="straightConnector1">
+            <a:avLst/>
+          </a:prstGeom>
+          <a:ln w="28575">
+            <a:solidFill>
+              <a:srgbClr val="FF0000"/>
+            </a:solidFill>
+            <a:tailEnd type="arrow"/>
+          </a:ln>
+        </p:spPr>
+        <p:style>
+          <a:lnRef idx="1">
+            <a:schemeClr val="accent1"/>
+          </a:lnRef>
+          <a:fillRef idx="0">
+            <a:schemeClr val="accent1"/>
+          </a:fillRef>
+          <a:effectRef idx="0">
+            <a:schemeClr val="accent1"/>
+          </a:effectRef>
+          <a:fontRef idx="minor">
+            <a:schemeClr val="tx1"/>
+          </a:fontRef>
+        </p:style>
+      </p:cxnSp>
+      <p:sp>
+        <p:nvSpPr>
+          <p:cNvPr id="12" name="Rectangle 11"/>
+          <p:cNvSpPr/>
+          <p:nvPr/>
+        </p:nvSpPr>
+        <p:spPr>
+          <a:xfrm>
+            <a:off x="5878285" y="3285209"/>
+            <a:ext cx="2929813" cy="438539"/>
+          </a:xfrm>
+          <a:prstGeom prst="rect">
+            <a:avLst/>
+          </a:prstGeom>
+          <a:noFill/>
+        </p:spPr>
+        <p:style>
+          <a:lnRef idx="2">
+            <a:schemeClr val="accent1">
+              <a:shade val="50000"/>
+            </a:schemeClr>
+          </a:lnRef>
+          <a:fillRef idx="1">
+            <a:schemeClr val="accent1"/>
+          </a:fillRef>
+          <a:effectRef idx="0">
+            <a:schemeClr val="accent1"/>
+          </a:effectRef>
+          <a:fontRef idx="minor">
+            <a:schemeClr val="lt1"/>
+          </a:fontRef>
+        </p:style>
+        <p:txBody>
+          <a:bodyPr rtlCol="0" anchor="ctr"/>
+          <a:lstStyle/>
+          <a:p>
+            <a:pPr algn="ctr"/>
+            <a:r>
+              <a:rPr lang="en-GB" sz="2000" b="1" smtClean="0">
+                <a:solidFill>
+                  <a:schemeClr val="tx1"/>
+                </a:solidFill>
+              </a:rPr>
+              <a:t>name global in quotes</a:t>
+            </a:r>
+            <a:endParaRPr lang="en-GB" sz="2000" b="1">
+              <a:solidFill>
+                <a:schemeClr val="tx1"/>
+              </a:solidFill>
+            </a:endParaRPr>
+          </a:p>
+        </p:txBody>
+      </p:sp>
+      <p:cxnSp>
+        <p:nvCxnSpPr>
+          <p:cNvPr id="13" name="Straight Arrow Connector 12"/>
+          <p:cNvCxnSpPr/>
+          <p:nvPr/>
+        </p:nvCxnSpPr>
+        <p:spPr>
+          <a:xfrm flipH="1">
+            <a:off x="5719665" y="3723748"/>
+            <a:ext cx="639147" cy="201025"/>
+          </a:xfrm>
+          <a:prstGeom prst="straightConnector1">
+            <a:avLst/>
+          </a:prstGeom>
+          <a:ln w="28575">
+            <a:solidFill>
+              <a:srgbClr val="FF0000"/>
+            </a:solidFill>
+            <a:tailEnd type="arrow"/>
+          </a:ln>
+        </p:spPr>
+        <p:style>
+          <a:lnRef idx="1">
+            <a:schemeClr val="accent1"/>
+          </a:lnRef>
+          <a:fillRef idx="0">
+            <a:schemeClr val="accent1"/>
+          </a:fillRef>
+          <a:effectRef idx="0">
+            <a:schemeClr val="accent1"/>
+          </a:effectRef>
+          <a:fontRef idx="minor">
+            <a:schemeClr val="tx1"/>
+          </a:fontRef>
+        </p:style>
+      </p:cxnSp>
+      <p:sp>
+        <p:nvSpPr>
+          <p:cNvPr id="15" name="Rectangle 14"/>
+          <p:cNvSpPr/>
+          <p:nvPr/>
+        </p:nvSpPr>
+        <p:spPr>
+          <a:xfrm>
+            <a:off x="6923313" y="4488858"/>
+            <a:ext cx="1884783" cy="438539"/>
+          </a:xfrm>
+          <a:prstGeom prst="rect">
+            <a:avLst/>
+          </a:prstGeom>
+          <a:noFill/>
+        </p:spPr>
+        <p:style>
+          <a:lnRef idx="2">
+            <a:schemeClr val="accent1">
+              <a:shade val="50000"/>
+            </a:schemeClr>
+          </a:lnRef>
+          <a:fillRef idx="1">
+            <a:schemeClr val="accent1"/>
+          </a:fillRef>
+          <a:effectRef idx="0">
+            <a:schemeClr val="accent1"/>
+          </a:effectRef>
+          <a:fontRef idx="minor">
+            <a:schemeClr val="lt1"/>
+          </a:fontRef>
+        </p:style>
+        <p:txBody>
+          <a:bodyPr rtlCol="0" anchor="ctr"/>
+          <a:lstStyle/>
+          <a:p>
+            <a:pPr algn="ctr"/>
+            <a:r>
+              <a:rPr lang="en-GB" sz="2000" b="1" smtClean="0">
+                <a:solidFill>
+                  <a:schemeClr val="tx1"/>
+                </a:solidFill>
+              </a:rPr>
+              <a:t>provide value</a:t>
+            </a:r>
+            <a:endParaRPr lang="en-GB" sz="2000" b="1">
+              <a:solidFill>
+                <a:schemeClr val="tx1"/>
+              </a:solidFill>
+            </a:endParaRPr>
+          </a:p>
+        </p:txBody>
+      </p:sp>
+      <p:cxnSp>
+        <p:nvCxnSpPr>
+          <p:cNvPr id="16" name="Straight Arrow Connector 15"/>
+          <p:cNvCxnSpPr/>
+          <p:nvPr/>
+        </p:nvCxnSpPr>
+        <p:spPr>
+          <a:xfrm flipH="1" flipV="1">
+            <a:off x="6701712" y="4250103"/>
+            <a:ext cx="104969" cy="360053"/>
+          </a:xfrm>
+          <a:prstGeom prst="straightConnector1">
+            <a:avLst/>
+          </a:prstGeom>
+          <a:ln w="28575">
+            <a:solidFill>
+              <a:srgbClr val="FF0000"/>
+            </a:solidFill>
+            <a:tailEnd type="arrow"/>
+          </a:ln>
+        </p:spPr>
+        <p:style>
+          <a:lnRef idx="1">
+            <a:schemeClr val="accent1"/>
+          </a:lnRef>
+          <a:fillRef idx="0">
+            <a:schemeClr val="accent1"/>
+          </a:fillRef>
+          <a:effectRef idx="0">
+            <a:schemeClr val="accent1"/>
+          </a:effectRef>
+          <a:fontRef idx="minor">
+            <a:schemeClr val="tx1"/>
+          </a:fontRef>
+        </p:style>
+      </p:cxnSp>
+    </p:spTree>
+    <p:extLst>
+      <p:ext uri="{BB962C8B-B14F-4D97-AF65-F5344CB8AC3E}">
+        <p14:creationId xmlns:p14="http://schemas.microsoft.com/office/powerpoint/2010/main" val="2744250017"/>
       </p:ext>
     </p:extLst>
   </p:cSld>

--- a/DG_09 Testable UI.pptx
+++ b/DG_09 Testable UI.pptx
@@ -115,7 +115,7 @@
   </p:defaultTextStyle>
   <p:extLst>
     <p:ext uri="{EFAFB233-063F-42B5-8137-9DF3F51BA10A}">
-      <p15:sldGuideLst xmlns:p15="http://schemas.microsoft.com/office/powerpoint/2012/main" xmlns="">
+      <p15:sldGuideLst xmlns="" xmlns:p15="http://schemas.microsoft.com/office/powerpoint/2012/main">
         <p15:guide id="1" orient="horz" pos="2160">
           <p15:clr>
             <a:srgbClr val="A4A3A4"/>
@@ -16176,7 +16176,7 @@
       </p:grpSpPr>
       <p:pic>
         <p:nvPicPr>
-          <p:cNvPr id="4099" name="Picture 3"/>
+          <p:cNvPr id="14" name="Picture 2"/>
           <p:cNvPicPr>
             <a:picLocks noChangeAspect="1" noChangeArrowheads="1"/>
           </p:cNvPicPr>
@@ -16197,8 +16197,8 @@
         </p:blipFill>
         <p:spPr bwMode="auto">
           <a:xfrm>
-            <a:off x="357900" y="2146050"/>
-            <a:ext cx="8553124" cy="4208106"/>
+            <a:off x="251585" y="2123807"/>
+            <a:ext cx="8675179" cy="4584908"/>
           </a:xfrm>
           <a:prstGeom prst="rect">
             <a:avLst/>
@@ -16506,8 +16506,8 @@
         </p:nvCxnSpPr>
         <p:spPr>
           <a:xfrm flipH="1">
-            <a:off x="4413380" y="3599908"/>
-            <a:ext cx="1110342" cy="720165"/>
+            <a:off x="5635690" y="3890865"/>
+            <a:ext cx="942392" cy="671804"/>
           </a:xfrm>
           <a:prstGeom prst="straightConnector1">
             <a:avLst/>
@@ -16542,7 +16542,7 @@
         </p:nvSpPr>
         <p:spPr>
           <a:xfrm>
-            <a:off x="4968551" y="4373058"/>
+            <a:off x="4968551" y="4764960"/>
             <a:ext cx="3839545" cy="438539"/>
           </a:xfrm>
           <a:prstGeom prst="rect">
@@ -16595,7 +16595,7 @@
         </p:nvCxnSpPr>
         <p:spPr>
           <a:xfrm flipH="1">
-            <a:off x="4198777" y="4811597"/>
+            <a:off x="4198777" y="5072865"/>
             <a:ext cx="625150" cy="209134"/>
           </a:xfrm>
           <a:prstGeom prst="straightConnector1">
@@ -16631,7 +16631,7 @@
         </p:nvSpPr>
         <p:spPr>
           <a:xfrm>
-            <a:off x="6279502" y="5548715"/>
+            <a:off x="6279502" y="5819314"/>
             <a:ext cx="2218352" cy="438539"/>
           </a:xfrm>
           <a:prstGeom prst="rect">
@@ -16684,7 +16684,7 @@
         </p:nvCxnSpPr>
         <p:spPr>
           <a:xfrm flipH="1" flipV="1">
-            <a:off x="4968551" y="5548715"/>
+            <a:off x="4968551" y="5819314"/>
             <a:ext cx="1149477" cy="179753"/>
           </a:xfrm>
           <a:prstGeom prst="straightConnector1">
@@ -16751,7 +16751,7 @@
       </p:grpSpPr>
       <p:pic>
         <p:nvPicPr>
-          <p:cNvPr id="4099" name="Picture 3"/>
+          <p:cNvPr id="1026" name="Picture 2"/>
           <p:cNvPicPr>
             <a:picLocks noChangeAspect="1" noChangeArrowheads="1"/>
           </p:cNvPicPr>
@@ -16772,8 +16772,8 @@
         </p:blipFill>
         <p:spPr bwMode="auto">
           <a:xfrm>
-            <a:off x="357900" y="2146050"/>
-            <a:ext cx="8553124" cy="4208106"/>
+            <a:off x="251585" y="2123807"/>
+            <a:ext cx="8675179" cy="4584908"/>
           </a:xfrm>
           <a:prstGeom prst="rect">
             <a:avLst/>
@@ -16939,8 +16939,8 @@
         </p:nvCxnSpPr>
         <p:spPr>
           <a:xfrm flipH="1">
-            <a:off x="4634462" y="2836506"/>
-            <a:ext cx="758632" cy="1088267"/>
+            <a:off x="4301412" y="2836506"/>
+            <a:ext cx="1091682" cy="1413597"/>
           </a:xfrm>
           <a:prstGeom prst="straightConnector1">
             <a:avLst/>
@@ -16975,7 +16975,7 @@
         </p:nvSpPr>
         <p:spPr>
           <a:xfrm>
-            <a:off x="5878285" y="3285209"/>
+            <a:off x="5878285" y="3061265"/>
             <a:ext cx="2929813" cy="438539"/>
           </a:xfrm>
           <a:prstGeom prst="rect">
@@ -17028,8 +17028,8 @@
         </p:nvCxnSpPr>
         <p:spPr>
           <a:xfrm flipH="1">
-            <a:off x="5719665" y="3723748"/>
-            <a:ext cx="639147" cy="201025"/>
+            <a:off x="5719666" y="3543304"/>
+            <a:ext cx="541175" cy="698723"/>
           </a:xfrm>
           <a:prstGeom prst="straightConnector1">
             <a:avLst/>
@@ -17064,7 +17064,7 @@
         </p:nvSpPr>
         <p:spPr>
           <a:xfrm>
-            <a:off x="6923313" y="4488858"/>
+            <a:off x="6923313" y="3673395"/>
             <a:ext cx="1884783" cy="438539"/>
           </a:xfrm>
           <a:prstGeom prst="rect">
@@ -17116,9 +17116,9 @@
           <p:nvPr/>
         </p:nvCxnSpPr>
         <p:spPr>
-          <a:xfrm flipH="1" flipV="1">
-            <a:off x="6701712" y="4250103"/>
-            <a:ext cx="104969" cy="360053"/>
+          <a:xfrm flipH="1">
+            <a:off x="6701713" y="3892665"/>
+            <a:ext cx="221600" cy="357439"/>
           </a:xfrm>
           <a:prstGeom prst="straightConnector1">
             <a:avLst/>

--- a/DG_09 Testable UI.pptx
+++ b/DG_09 Testable UI.pptx
@@ -11,8 +11,8 @@
     <p:sldId id="643" r:id="rId2"/>
     <p:sldId id="645" r:id="rId3"/>
     <p:sldId id="657" r:id="rId4"/>
-    <p:sldId id="656" r:id="rId5"/>
-    <p:sldId id="658" r:id="rId6"/>
+    <p:sldId id="662" r:id="rId5"/>
+    <p:sldId id="656" r:id="rId6"/>
     <p:sldId id="661" r:id="rId7"/>
     <p:sldId id="659" r:id="rId8"/>
   </p:sldIdLst>
@@ -115,7 +115,7 @@
   </p:defaultTextStyle>
   <p:extLst>
     <p:ext uri="{EFAFB233-063F-42B5-8137-9DF3F51BA10A}">
-      <p15:sldGuideLst xmlns="" xmlns:p15="http://schemas.microsoft.com/office/powerpoint/2012/main">
+      <p15:sldGuideLst xmlns:p15="http://schemas.microsoft.com/office/powerpoint/2012/main">
         <p15:guide id="1" orient="horz" pos="2160">
           <p15:clr>
             <a:srgbClr val="A4A3A4"/>
@@ -214,7 +214,7 @@
           <a:p>
             <a:fld id="{78C00125-7AA2-BF47-9592-BD0EA1380ED7}" type="datetimeFigureOut">
               <a:rPr lang="en-US" smtClean="0"/>
-              <a:t>5/25/2022</a:t>
+              <a:t>5/26/2022</a:t>
             </a:fld>
             <a:endParaRPr lang="en-US"/>
           </a:p>
@@ -724,7 +724,7 @@
     </p:spTree>
     <p:extLst>
       <p:ext uri="{BB962C8B-B14F-4D97-AF65-F5344CB8AC3E}">
-        <p14:creationId xmlns:p14="http://schemas.microsoft.com/office/powerpoint/2010/main" val="3988076159"/>
+        <p14:creationId xmlns:p14="http://schemas.microsoft.com/office/powerpoint/2010/main" val="3936724751"/>
       </p:ext>
     </p:extLst>
   </p:cSld>
@@ -2799,7 +2799,7 @@
             <a:fld id="{28E80666-FB37-4B36-9149-507F3B0178E3}" type="datetimeFigureOut">
               <a:rPr lang="en-US" smtClean="0"/>
               <a:pPr/>
-              <a:t>5/25/2022</a:t>
+              <a:t>5/26/2022</a:t>
             </a:fld>
             <a:endParaRPr lang="en-US"/>
           </a:p>
@@ -2981,7 +2981,7 @@
           <a:p>
             <a:fld id="{05DB9FB3-5BB2-724E-A037-6C88DDC21847}" type="datetimeFigureOut">
               <a:rPr lang="en-US" smtClean="0"/>
-              <a:t>5/25/2022</a:t>
+              <a:t>5/26/2022</a:t>
             </a:fld>
             <a:endParaRPr lang="en-US"/>
           </a:p>
@@ -3132,7 +3132,7 @@
           <a:p>
             <a:fld id="{05DB9FB3-5BB2-724E-A037-6C88DDC21847}" type="datetimeFigureOut">
               <a:rPr lang="en-US" smtClean="0"/>
-              <a:t>5/25/2022</a:t>
+              <a:t>5/26/2022</a:t>
             </a:fld>
             <a:endParaRPr lang="en-US"/>
           </a:p>
@@ -4958,7 +4958,7 @@
           <a:p>
             <a:fld id="{05DB9FB3-5BB2-724E-A037-6C88DDC21847}" type="datetimeFigureOut">
               <a:rPr lang="en-US" smtClean="0"/>
-              <a:t>5/25/2022</a:t>
+              <a:t>5/26/2022</a:t>
             </a:fld>
             <a:endParaRPr lang="en-US"/>
           </a:p>
@@ -6829,7 +6829,7 @@
             <a:fld id="{28E80666-FB37-4B36-9149-507F3B0178E3}" type="datetimeFigureOut">
               <a:rPr lang="en-US" smtClean="0"/>
               <a:pPr/>
-              <a:t>5/25/2022</a:t>
+              <a:t>5/26/2022</a:t>
             </a:fld>
             <a:endParaRPr lang="en-US"/>
           </a:p>
@@ -6943,7 +6943,7 @@
           <a:p>
             <a:fld id="{05DB9FB3-5BB2-724E-A037-6C88DDC21847}" type="datetimeFigureOut">
               <a:rPr lang="en-US" smtClean="0"/>
-              <a:t>5/25/2022</a:t>
+              <a:t>5/26/2022</a:t>
             </a:fld>
             <a:endParaRPr lang="en-US"/>
           </a:p>
@@ -7484,7 +7484,7 @@
           <a:p>
             <a:fld id="{05DB9FB3-5BB2-724E-A037-6C88DDC21847}" type="datetimeFigureOut">
               <a:rPr lang="en-US" smtClean="0"/>
-              <a:t>5/25/2022</a:t>
+              <a:t>5/26/2022</a:t>
             </a:fld>
             <a:endParaRPr lang="en-US"/>
           </a:p>
@@ -7597,7 +7597,7 @@
           <a:p>
             <a:fld id="{05DB9FB3-5BB2-724E-A037-6C88DDC21847}" type="datetimeFigureOut">
               <a:rPr lang="en-US" smtClean="0"/>
-              <a:t>5/25/2022</a:t>
+              <a:t>5/26/2022</a:t>
             </a:fld>
             <a:endParaRPr lang="en-US"/>
           </a:p>
@@ -9308,7 +9308,7 @@
           <a:p>
             <a:fld id="{05DB9FB3-5BB2-724E-A037-6C88DDC21847}" type="datetimeFigureOut">
               <a:rPr lang="en-US" smtClean="0"/>
-              <a:t>5/25/2022</a:t>
+              <a:t>5/26/2022</a:t>
             </a:fld>
             <a:endParaRPr lang="en-US"/>
           </a:p>
@@ -9459,7 +9459,7 @@
           <a:p>
             <a:fld id="{05DB9FB3-5BB2-724E-A037-6C88DDC21847}" type="datetimeFigureOut">
               <a:rPr lang="en-US" smtClean="0"/>
-              <a:t>5/25/2022</a:t>
+              <a:t>5/26/2022</a:t>
             </a:fld>
             <a:endParaRPr lang="en-US"/>
           </a:p>
@@ -13074,7 +13074,7 @@
           <a:p>
             <a:fld id="{05DB9FB3-5BB2-724E-A037-6C88DDC21847}" type="datetimeFigureOut">
               <a:rPr lang="en-US" smtClean="0"/>
-              <a:t>5/25/2022</a:t>
+              <a:t>5/26/2022</a:t>
             </a:fld>
             <a:endParaRPr lang="en-US"/>
           </a:p>
@@ -14933,7 +14933,7 @@
           <a:p>
             <a:fld id="{05DB9FB3-5BB2-724E-A037-6C88DDC21847}" type="datetimeFigureOut">
               <a:rPr lang="en-US" smtClean="0"/>
-              <a:t>5/25/2022</a:t>
+              <a:t>5/26/2022</a:t>
             </a:fld>
             <a:endParaRPr lang="en-US"/>
           </a:p>
@@ -15598,7 +15598,7 @@
         <p:spPr>
           <a:xfrm>
             <a:off x="251586" y="2390115"/>
-            <a:ext cx="8276778" cy="2585323"/>
+            <a:ext cx="8276778" cy="2862322"/>
           </a:xfrm>
           <a:prstGeom prst="rect">
             <a:avLst/>
@@ -15691,6 +15691,10 @@
             <a:endParaRPr lang="en-GB" dirty="0" smtClean="0"/>
           </a:p>
           <a:p>
+            <a:pPr marL="285750" indent="-285750">
+              <a:buFont typeface="Arial" panose="020B0604020202020204" pitchFamily="34" charset="0"/>
+              <a:buChar char="•"/>
+            </a:pPr>
             <a:r>
               <a:rPr lang="en-GB" dirty="0" err="1" smtClean="0"/>
               <a:t>TestClass</a:t>
@@ -15701,6 +15705,10 @@
             </a:r>
           </a:p>
           <a:p>
+            <a:pPr marL="285750" indent="-285750">
+              <a:buFont typeface="Arial" panose="020B0604020202020204" pitchFamily="34" charset="0"/>
+              <a:buChar char="•"/>
+            </a:pPr>
             <a:r>
               <a:rPr lang="en-GB" dirty="0" smtClean="0"/>
               <a:t>member </a:t>
@@ -15711,7 +15719,21 @@
             </a:r>
             <a:r>
               <a:rPr lang="en-GB" dirty="0" smtClean="0"/>
-              <a:t>(): for each condition to be checked</a:t>
+              <a:t>(): for each condition to be </a:t>
+            </a:r>
+            <a:r>
+              <a:rPr lang="en-GB" dirty="0" smtClean="0"/>
+              <a:t>checked</a:t>
+            </a:r>
+          </a:p>
+          <a:p>
+            <a:pPr marL="285750" indent="-285750">
+              <a:buFont typeface="Arial" panose="020B0604020202020204" pitchFamily="34" charset="0"/>
+              <a:buChar char="•"/>
+            </a:pPr>
+            <a:r>
+              <a:rPr lang="en-GB" dirty="0" smtClean="0"/>
+              <a:t>Multiple asserts to check condition is satisfied</a:t>
             </a:r>
             <a:endParaRPr lang="en-GB" dirty="0"/>
           </a:p>
@@ -15906,6 +15928,176 @@
           <a:p>
             <a:pPr algn="l"/>
             <a:r>
+              <a:rPr lang="en-US" dirty="0"/>
+              <a:t>Test "main" in root folder</a:t>
+            </a:r>
+            <a:endParaRPr lang="en-US" dirty="0"/>
+          </a:p>
+        </p:txBody>
+      </p:sp>
+      <p:pic>
+        <p:nvPicPr>
+          <p:cNvPr id="5" name="Picture 4"/>
+          <p:cNvPicPr>
+            <a:picLocks noChangeAspect="1"/>
+          </p:cNvPicPr>
+          <p:nvPr/>
+        </p:nvPicPr>
+        <p:blipFill>
+          <a:blip r:embed="rId3"/>
+          <a:stretch>
+            <a:fillRect/>
+          </a:stretch>
+        </p:blipFill>
+        <p:spPr>
+          <a:xfrm>
+            <a:off x="170270" y="2076214"/>
+            <a:ext cx="8603921" cy="3935287"/>
+          </a:xfrm>
+          <a:prstGeom prst="rect">
+            <a:avLst/>
+          </a:prstGeom>
+        </p:spPr>
+      </p:pic>
+      <p:sp>
+        <p:nvSpPr>
+          <p:cNvPr id="7" name="Oval 6"/>
+          <p:cNvSpPr/>
+          <p:nvPr/>
+        </p:nvSpPr>
+        <p:spPr>
+          <a:xfrm>
+            <a:off x="3168534" y="2037029"/>
+            <a:ext cx="2716222" cy="479834"/>
+          </a:xfrm>
+          <a:prstGeom prst="ellipse">
+            <a:avLst/>
+          </a:prstGeom>
+          <a:noFill/>
+          <a:ln w="28575">
+            <a:solidFill>
+              <a:srgbClr val="FF0000"/>
+            </a:solidFill>
+          </a:ln>
+        </p:spPr>
+        <p:style>
+          <a:lnRef idx="2">
+            <a:schemeClr val="accent1">
+              <a:shade val="50000"/>
+            </a:schemeClr>
+          </a:lnRef>
+          <a:fillRef idx="1">
+            <a:schemeClr val="accent1"/>
+          </a:fillRef>
+          <a:effectRef idx="0">
+            <a:schemeClr val="accent1"/>
+          </a:effectRef>
+          <a:fontRef idx="minor">
+            <a:schemeClr val="lt1"/>
+          </a:fontRef>
+        </p:style>
+        <p:txBody>
+          <a:bodyPr rtlCol="0" anchor="ctr"/>
+          <a:lstStyle/>
+          <a:p>
+            <a:pPr algn="ctr"/>
+            <a:endParaRPr lang="en-GB"/>
+          </a:p>
+        </p:txBody>
+      </p:sp>
+      <p:sp>
+        <p:nvSpPr>
+          <p:cNvPr id="8" name="TextBox 7"/>
+          <p:cNvSpPr txBox="1"/>
+          <p:nvPr/>
+        </p:nvSpPr>
+        <p:spPr>
+          <a:xfrm>
+            <a:off x="455701" y="6011501"/>
+            <a:ext cx="8229600" cy="461665"/>
+          </a:xfrm>
+          <a:prstGeom prst="rect">
+            <a:avLst/>
+          </a:prstGeom>
+          <a:noFill/>
+        </p:spPr>
+        <p:txBody>
+          <a:bodyPr wrap="square" rtlCol="0">
+            <a:spAutoFit/>
+          </a:bodyPr>
+          <a:lstStyle/>
+          <a:p>
+            <a:r>
+              <a:rPr lang="en-GB" sz="2400" b="1" dirty="0" err="1" smtClean="0"/>
+              <a:t>pytest</a:t>
+            </a:r>
+            <a:r>
+              <a:rPr lang="en-GB" sz="2400" b="1" dirty="0" smtClean="0"/>
+              <a:t> will find all test_nnn.py modules and run them</a:t>
+            </a:r>
+            <a:endParaRPr lang="en-GB" sz="2400" b="1" dirty="0"/>
+          </a:p>
+        </p:txBody>
+      </p:sp>
+    </p:spTree>
+    <p:extLst>
+      <p:ext uri="{BB962C8B-B14F-4D97-AF65-F5344CB8AC3E}">
+        <p14:creationId xmlns:p14="http://schemas.microsoft.com/office/powerpoint/2010/main" val="694352551"/>
+      </p:ext>
+    </p:extLst>
+  </p:cSld>
+  <p:clrMapOvr>
+    <a:masterClrMapping/>
+  </p:clrMapOvr>
+  <p:timing>
+    <p:tnLst>
+      <p:par>
+        <p:cTn id="1" dur="indefinite" restart="never" nodeType="tmRoot"/>
+      </p:par>
+    </p:tnLst>
+  </p:timing>
+</p:sld>
+</file>
+
+<file path=ppt/slides/slide5.xml><?xml version="1.0" encoding="utf-8"?>
+<p:sld xmlns:a="http://schemas.openxmlformats.org/drawingml/2006/main" xmlns:r="http://schemas.openxmlformats.org/officeDocument/2006/relationships" xmlns:p="http://schemas.openxmlformats.org/presentationml/2006/main">
+  <p:cSld>
+    <p:spTree>
+      <p:nvGrpSpPr>
+        <p:cNvPr id="1" name=""/>
+        <p:cNvGrpSpPr/>
+        <p:nvPr/>
+      </p:nvGrpSpPr>
+      <p:grpSpPr>
+        <a:xfrm>
+          <a:off x="0" y="0"/>
+          <a:ext cx="0" cy="0"/>
+          <a:chOff x="0" y="0"/>
+          <a:chExt cx="0" cy="0"/>
+        </a:xfrm>
+      </p:grpSpPr>
+      <p:sp>
+        <p:nvSpPr>
+          <p:cNvPr id="2" name="Title 1"/>
+          <p:cNvSpPr>
+            <a:spLocks noGrp="1"/>
+          </p:cNvSpPr>
+          <p:nvPr>
+            <p:ph type="title"/>
+          </p:nvPr>
+        </p:nvSpPr>
+        <p:spPr>
+          <a:xfrm>
+            <a:off x="251586" y="244158"/>
+            <a:ext cx="8637831" cy="1339850"/>
+          </a:xfrm>
+        </p:spPr>
+        <p:txBody>
+          <a:bodyPr anchor="t"/>
+          <a:lstStyle/>
+          <a:p>
+            <a:pPr algn="l"/>
+            <a:r>
               <a:rPr lang="en-US" dirty="0" smtClean="0"/>
               <a:t>Test-Class</a:t>
             </a:r>
@@ -15977,170 +16169,56 @@
           </a:extLst>
         </p:spPr>
       </p:pic>
-    </p:spTree>
-    <p:extLst>
-      <p:ext uri="{BB962C8B-B14F-4D97-AF65-F5344CB8AC3E}">
-        <p14:creationId xmlns:p14="http://schemas.microsoft.com/office/powerpoint/2010/main" val="1206116138"/>
-      </p:ext>
-    </p:extLst>
-  </p:cSld>
-  <p:clrMapOvr>
-    <a:masterClrMapping/>
-  </p:clrMapOvr>
-  <p:timing>
-    <p:tnLst>
-      <p:par>
-        <p:cTn id="1" dur="indefinite" restart="never" nodeType="tmRoot"/>
-      </p:par>
-    </p:tnLst>
-  </p:timing>
-</p:sld>
-</file>
-
-<file path=ppt/slides/slide5.xml><?xml version="1.0" encoding="utf-8"?>
-<p:sld xmlns:a="http://schemas.openxmlformats.org/drawingml/2006/main" xmlns:r="http://schemas.openxmlformats.org/officeDocument/2006/relationships" xmlns:p="http://schemas.openxmlformats.org/presentationml/2006/main">
-  <p:cSld>
-    <p:spTree>
-      <p:nvGrpSpPr>
-        <p:cNvPr id="1" name=""/>
-        <p:cNvGrpSpPr/>
-        <p:nvPr/>
-      </p:nvGrpSpPr>
-      <p:grpSpPr>
-        <a:xfrm>
-          <a:off x="0" y="0"/>
-          <a:ext cx="0" cy="0"/>
-          <a:chOff x="0" y="0"/>
-          <a:chExt cx="0" cy="0"/>
-        </a:xfrm>
-      </p:grpSpPr>
       <p:sp>
         <p:nvSpPr>
-          <p:cNvPr id="2" name="Title 1"/>
-          <p:cNvSpPr>
-            <a:spLocks noGrp="1"/>
-          </p:cNvSpPr>
-          <p:nvPr>
-            <p:ph type="title"/>
-          </p:nvPr>
-        </p:nvSpPr>
-        <p:spPr>
-          <a:xfrm>
-            <a:off x="251586" y="244158"/>
-            <a:ext cx="8637831" cy="1339850"/>
-          </a:xfrm>
-        </p:spPr>
-        <p:txBody>
-          <a:bodyPr anchor="t"/>
-          <a:lstStyle/>
-          <a:p>
-            <a:pPr algn="l"/>
-            <a:r>
-              <a:rPr lang="en-US" smtClean="0"/>
-              <a:t>Test "main" in root folder</a:t>
-            </a:r>
-            <a:endParaRPr lang="en-US" dirty="0"/>
-          </a:p>
-        </p:txBody>
-      </p:sp>
-      <p:pic>
-        <p:nvPicPr>
-          <p:cNvPr id="3074" name="Picture 2"/>
-          <p:cNvPicPr>
-            <a:picLocks noChangeAspect="1" noChangeArrowheads="1"/>
-          </p:cNvPicPr>
-          <p:nvPr/>
-        </p:nvPicPr>
-        <p:blipFill>
-          <a:blip r:embed="rId3">
-            <a:extLst>
-              <a:ext uri="{28A0092B-C50C-407E-A947-70E740481C1C}">
-                <a14:useLocalDpi xmlns:a14="http://schemas.microsoft.com/office/drawing/2010/main" val="0"/>
-              </a:ext>
-            </a:extLst>
-          </a:blip>
-          <a:srcRect/>
-          <a:stretch>
-            <a:fillRect/>
-          </a:stretch>
-        </p:blipFill>
-        <p:spPr bwMode="auto">
-          <a:xfrm>
-            <a:off x="251585" y="2648975"/>
-            <a:ext cx="8526283" cy="2949413"/>
-          </a:xfrm>
-          <a:prstGeom prst="rect">
-            <a:avLst/>
-          </a:prstGeom>
-          <a:noFill/>
-          <a:ln>
-            <a:noFill/>
-          </a:ln>
-          <a:effectLst/>
-          <a:extLst>
-            <a:ext uri="{909E8E84-426E-40DD-AFC4-6F175D3DCCD1}">
-              <a14:hiddenFill xmlns:a14="http://schemas.microsoft.com/office/drawing/2010/main">
-                <a:solidFill>
-                  <a:schemeClr val="accent1"/>
-                </a:solidFill>
-              </a14:hiddenFill>
-            </a:ext>
-            <a:ext uri="{91240B29-F687-4F45-9708-019B960494DF}">
-              <a14:hiddenLine xmlns:a14="http://schemas.microsoft.com/office/drawing/2010/main" w="9525">
-                <a:solidFill>
-                  <a:schemeClr val="tx1"/>
-                </a:solidFill>
-                <a:miter lim="800000"/>
-                <a:headEnd/>
-                <a:tailEnd/>
-              </a14:hiddenLine>
-            </a:ext>
-            <a:ext uri="{AF507438-7753-43E0-B8FC-AC1667EBCBE1}">
-              <a14:hiddenEffects xmlns:a14="http://schemas.microsoft.com/office/drawing/2010/main">
-                <a:effectLst>
-                  <a:outerShdw dist="35921" dir="2700000" algn="ctr" rotWithShape="0">
-                    <a:schemeClr val="bg2"/>
-                  </a:outerShdw>
-                </a:effectLst>
-              </a14:hiddenEffects>
-            </a:ext>
-          </a:extLst>
-        </p:spPr>
-      </p:pic>
-      <p:sp>
-        <p:nvSpPr>
-          <p:cNvPr id="3" name="TextBox 2"/>
-          <p:cNvSpPr txBox="1"/>
+          <p:cNvPr id="3" name="Oval 2"/>
+          <p:cNvSpPr/>
           <p:nvPr/>
         </p:nvSpPr>
         <p:spPr>
           <a:xfrm>
-            <a:off x="429208" y="5822302"/>
-            <a:ext cx="8229600" cy="461665"/>
+            <a:off x="3684760" y="1910281"/>
+            <a:ext cx="1231272" cy="479834"/>
           </a:xfrm>
-          <a:prstGeom prst="rect">
+          <a:prstGeom prst="ellipse">
             <a:avLst/>
           </a:prstGeom>
           <a:noFill/>
+          <a:ln w="28575">
+            <a:solidFill>
+              <a:srgbClr val="FF0000"/>
+            </a:solidFill>
+          </a:ln>
         </p:spPr>
+        <p:style>
+          <a:lnRef idx="2">
+            <a:schemeClr val="accent1">
+              <a:shade val="50000"/>
+            </a:schemeClr>
+          </a:lnRef>
+          <a:fillRef idx="1">
+            <a:schemeClr val="accent1"/>
+          </a:fillRef>
+          <a:effectRef idx="0">
+            <a:schemeClr val="accent1"/>
+          </a:effectRef>
+          <a:fontRef idx="minor">
+            <a:schemeClr val="lt1"/>
+          </a:fontRef>
+        </p:style>
         <p:txBody>
-          <a:bodyPr wrap="square" rtlCol="0">
-            <a:spAutoFit/>
-          </a:bodyPr>
+          <a:bodyPr rtlCol="0" anchor="ctr"/>
           <a:lstStyle/>
           <a:p>
-            <a:r>
-              <a:rPr lang="en-GB" sz="2400" b="1" smtClean="0"/>
-              <a:t>pytest will find all test_nnn.py modules and run them</a:t>
-            </a:r>
-            <a:endParaRPr lang="en-GB" sz="2400" b="1"/>
+            <a:pPr algn="ctr"/>
+            <a:endParaRPr lang="en-GB"/>
           </a:p>
         </p:txBody>
       </p:sp>
     </p:spTree>
     <p:extLst>
       <p:ext uri="{BB962C8B-B14F-4D97-AF65-F5344CB8AC3E}">
-        <p14:creationId xmlns:p14="http://schemas.microsoft.com/office/powerpoint/2010/main" val="4283351029"/>
+        <p14:creationId xmlns:p14="http://schemas.microsoft.com/office/powerpoint/2010/main" val="1206116138"/>
       </p:ext>
     </p:extLst>
   </p:cSld>
